--- a/make_presentation/templates/templates/classic/_36.pptx
+++ b/make_presentation/templates/templates/classic/_36.pptx
@@ -327,7 +327,7 @@
             <a:pPr algn="r">
               <a:buNone/>
             </a:pPr>
-            <a:fld id="{702714AA-5C1D-475E-A18B-7DA8AF960FE1}" type="slidenum">
+            <a:fld id="{807AD2A5-A7FE-425A-A072-96C4A672156B}" type="slidenum">
               <a:rPr b="0" lang="en-US" sz="1400" spc="-1" strike="noStrike">
                 <a:latin typeface="Times New Roman"/>
               </a:rPr>
@@ -375,7 +375,7 @@
         <p:spPr>
           <a:xfrm>
             <a:off x="380880" y="685800"/>
-            <a:ext cx="6091200" cy="3424320"/>
+            <a:ext cx="6090840" cy="3423960"/>
           </a:xfrm>
           <a:prstGeom prst="rect">
             <a:avLst/>
@@ -398,7 +398,7 @@
         <p:spPr>
           <a:xfrm>
             <a:off x="685800" y="4343400"/>
-            <a:ext cx="5481720" cy="4110120"/>
+            <a:ext cx="5481360" cy="4109760"/>
           </a:xfrm>
           <a:prstGeom prst="rect">
             <a:avLst/>
@@ -432,7 +432,7 @@
         <p:spPr>
           <a:xfrm>
             <a:off x="3884760" y="8685360"/>
-            <a:ext cx="2967120" cy="452520"/>
+            <a:ext cx="2966760" cy="452160"/>
           </a:xfrm>
           <a:prstGeom prst="rect">
             <a:avLst/>
@@ -468,7 +468,7 @@
               </a:lnSpc>
               <a:buNone/>
             </a:pPr>
-            <a:fld id="{E0BEF2DD-0F6A-40FA-B87A-88A12087F9DE}" type="slidenum">
+            <a:fld id="{88BEEBE9-8EF2-4CFF-942F-ABF06CDA840B}" type="slidenum">
               <a:rPr b="0" lang="en-US" sz="1200" spc="-1" strike="noStrike">
                 <a:solidFill>
                   <a:srgbClr val="000000"/>
@@ -519,7 +519,7 @@
         <p:spPr>
           <a:xfrm>
             <a:off x="380880" y="685800"/>
-            <a:ext cx="6091200" cy="3424320"/>
+            <a:ext cx="6090840" cy="3423960"/>
           </a:xfrm>
           <a:prstGeom prst="rect">
             <a:avLst/>
@@ -542,7 +542,7 @@
         <p:spPr>
           <a:xfrm>
             <a:off x="685800" y="4343400"/>
-            <a:ext cx="5481720" cy="4110120"/>
+            <a:ext cx="5481360" cy="4109760"/>
           </a:xfrm>
           <a:prstGeom prst="rect">
             <a:avLst/>
@@ -576,7 +576,7 @@
         <p:spPr>
           <a:xfrm>
             <a:off x="3884760" y="8685360"/>
-            <a:ext cx="2967120" cy="452520"/>
+            <a:ext cx="2966760" cy="452160"/>
           </a:xfrm>
           <a:prstGeom prst="rect">
             <a:avLst/>
@@ -612,7 +612,7 @@
               </a:lnSpc>
               <a:buNone/>
             </a:pPr>
-            <a:fld id="{4A74073D-4CCC-43A0-998F-F8EFE7C9C3E1}" type="slidenum">
+            <a:fld id="{0AF0F845-FCC2-44EA-902B-95CF16501130}" type="slidenum">
               <a:rPr b="0" lang="en-US" sz="1200" spc="-1" strike="noStrike">
                 <a:solidFill>
                   <a:srgbClr val="000000"/>
@@ -663,7 +663,7 @@
         <p:spPr>
           <a:xfrm>
             <a:off x="380880" y="685800"/>
-            <a:ext cx="6091200" cy="3424320"/>
+            <a:ext cx="6090840" cy="3423960"/>
           </a:xfrm>
           <a:prstGeom prst="rect">
             <a:avLst/>
@@ -686,7 +686,7 @@
         <p:spPr>
           <a:xfrm>
             <a:off x="685800" y="4343400"/>
-            <a:ext cx="5481720" cy="4110120"/>
+            <a:ext cx="5481360" cy="4109760"/>
           </a:xfrm>
           <a:prstGeom prst="rect">
             <a:avLst/>
@@ -720,7 +720,7 @@
         <p:spPr>
           <a:xfrm>
             <a:off x="3884760" y="8685360"/>
-            <a:ext cx="2967120" cy="452520"/>
+            <a:ext cx="2966760" cy="452160"/>
           </a:xfrm>
           <a:prstGeom prst="rect">
             <a:avLst/>
@@ -756,7 +756,7 @@
               </a:lnSpc>
               <a:buNone/>
             </a:pPr>
-            <a:fld id="{41CB5D6A-4D34-43A5-901A-5C474FD1D0B8}" type="slidenum">
+            <a:fld id="{8A2C019A-47B7-4C8D-B3E0-48EF663AF64D}" type="slidenum">
               <a:rPr b="0" lang="en-US" sz="1200" spc="-1" strike="noStrike">
                 <a:solidFill>
                   <a:srgbClr val="000000"/>
@@ -807,7 +807,7 @@
         <p:spPr>
           <a:xfrm>
             <a:off x="380880" y="685800"/>
-            <a:ext cx="6091200" cy="3424320"/>
+            <a:ext cx="6090840" cy="3423960"/>
           </a:xfrm>
           <a:prstGeom prst="rect">
             <a:avLst/>
@@ -830,7 +830,7 @@
         <p:spPr>
           <a:xfrm>
             <a:off x="685800" y="4343400"/>
-            <a:ext cx="5481720" cy="4110120"/>
+            <a:ext cx="5481360" cy="4109760"/>
           </a:xfrm>
           <a:prstGeom prst="rect">
             <a:avLst/>
@@ -864,7 +864,7 @@
         <p:spPr>
           <a:xfrm>
             <a:off x="3884760" y="8685360"/>
-            <a:ext cx="2967120" cy="452520"/>
+            <a:ext cx="2966760" cy="452160"/>
           </a:xfrm>
           <a:prstGeom prst="rect">
             <a:avLst/>
@@ -900,7 +900,7 @@
               </a:lnSpc>
               <a:buNone/>
             </a:pPr>
-            <a:fld id="{E68E4A1C-0777-4315-B22A-AA56A18BEC53}" type="slidenum">
+            <a:fld id="{E9ADA2E5-5E4B-4022-A645-94AF40F70564}" type="slidenum">
               <a:rPr b="0" lang="en-US" sz="1200" spc="-1" strike="noStrike">
                 <a:solidFill>
                   <a:srgbClr val="000000"/>
@@ -951,7 +951,7 @@
         <p:spPr>
           <a:xfrm>
             <a:off x="380880" y="685800"/>
-            <a:ext cx="6091200" cy="3424320"/>
+            <a:ext cx="6090840" cy="3423960"/>
           </a:xfrm>
           <a:prstGeom prst="rect">
             <a:avLst/>
@@ -974,7 +974,7 @@
         <p:spPr>
           <a:xfrm>
             <a:off x="685800" y="4343400"/>
-            <a:ext cx="5481720" cy="4110120"/>
+            <a:ext cx="5481360" cy="4109760"/>
           </a:xfrm>
           <a:prstGeom prst="rect">
             <a:avLst/>
@@ -1008,7 +1008,7 @@
         <p:spPr>
           <a:xfrm>
             <a:off x="3884760" y="8685360"/>
-            <a:ext cx="2967120" cy="452520"/>
+            <a:ext cx="2966760" cy="452160"/>
           </a:xfrm>
           <a:prstGeom prst="rect">
             <a:avLst/>
@@ -1044,7 +1044,7 @@
               </a:lnSpc>
               <a:buNone/>
             </a:pPr>
-            <a:fld id="{B75EEE51-58EE-4E5C-8E9E-6171FF07F7A7}" type="slidenum">
+            <a:fld id="{A5D50D7F-3ED8-4164-AA2C-27D4B398FDE5}" type="slidenum">
               <a:rPr b="0" lang="en-US" sz="1200" spc="-1" strike="noStrike">
                 <a:solidFill>
                   <a:srgbClr val="000000"/>
@@ -1095,7 +1095,7 @@
         <p:spPr>
           <a:xfrm>
             <a:off x="380880" y="685800"/>
-            <a:ext cx="6091200" cy="3424320"/>
+            <a:ext cx="6090840" cy="3423960"/>
           </a:xfrm>
           <a:prstGeom prst="rect">
             <a:avLst/>
@@ -1118,7 +1118,7 @@
         <p:spPr>
           <a:xfrm>
             <a:off x="685800" y="4343400"/>
-            <a:ext cx="5481720" cy="4110120"/>
+            <a:ext cx="5481360" cy="4109760"/>
           </a:xfrm>
           <a:prstGeom prst="rect">
             <a:avLst/>
@@ -1152,7 +1152,7 @@
         <p:spPr>
           <a:xfrm>
             <a:off x="3884760" y="8685360"/>
-            <a:ext cx="2967120" cy="452520"/>
+            <a:ext cx="2966760" cy="452160"/>
           </a:xfrm>
           <a:prstGeom prst="rect">
             <a:avLst/>
@@ -1188,7 +1188,7 @@
               </a:lnSpc>
               <a:buNone/>
             </a:pPr>
-            <a:fld id="{107EAC45-2558-41E7-91DE-4E378F45F07D}" type="slidenum">
+            <a:fld id="{BF925EB1-4FCD-4F57-8C3A-C8F08DACD81E}" type="slidenum">
               <a:rPr b="0" lang="en-US" sz="1200" spc="-1" strike="noStrike">
                 <a:solidFill>
                   <a:srgbClr val="000000"/>
@@ -1239,7 +1239,7 @@
         <p:spPr>
           <a:xfrm>
             <a:off x="380880" y="685800"/>
-            <a:ext cx="6091200" cy="3424320"/>
+            <a:ext cx="6090840" cy="3423960"/>
           </a:xfrm>
           <a:prstGeom prst="rect">
             <a:avLst/>
@@ -1262,7 +1262,7 @@
         <p:spPr>
           <a:xfrm>
             <a:off x="685800" y="4343400"/>
-            <a:ext cx="5481720" cy="4110120"/>
+            <a:ext cx="5481360" cy="4109760"/>
           </a:xfrm>
           <a:prstGeom prst="rect">
             <a:avLst/>
@@ -1296,7 +1296,7 @@
         <p:spPr>
           <a:xfrm>
             <a:off x="3884760" y="8685360"/>
-            <a:ext cx="2967120" cy="452520"/>
+            <a:ext cx="2966760" cy="452160"/>
           </a:xfrm>
           <a:prstGeom prst="rect">
             <a:avLst/>
@@ -1332,7 +1332,7 @@
               </a:lnSpc>
               <a:buNone/>
             </a:pPr>
-            <a:fld id="{88BD1B9E-48AD-400A-8C82-52211A8DB6E2}" type="slidenum">
+            <a:fld id="{0D8A31F9-7E81-4F69-88EE-AFAFD508583A}" type="slidenum">
               <a:rPr b="0" lang="en-US" sz="1200" spc="-1" strike="noStrike">
                 <a:solidFill>
                   <a:srgbClr val="000000"/>
@@ -1383,7 +1383,7 @@
         <p:spPr>
           <a:xfrm>
             <a:off x="380880" y="685800"/>
-            <a:ext cx="6091200" cy="3424320"/>
+            <a:ext cx="6090840" cy="3423960"/>
           </a:xfrm>
           <a:prstGeom prst="rect">
             <a:avLst/>
@@ -1406,7 +1406,7 @@
         <p:spPr>
           <a:xfrm>
             <a:off x="685800" y="4343400"/>
-            <a:ext cx="5481720" cy="4110120"/>
+            <a:ext cx="5481360" cy="4109760"/>
           </a:xfrm>
           <a:prstGeom prst="rect">
             <a:avLst/>
@@ -1440,7 +1440,7 @@
         <p:spPr>
           <a:xfrm>
             <a:off x="3884760" y="8685360"/>
-            <a:ext cx="2967120" cy="452520"/>
+            <a:ext cx="2966760" cy="452160"/>
           </a:xfrm>
           <a:prstGeom prst="rect">
             <a:avLst/>
@@ -1476,7 +1476,7 @@
               </a:lnSpc>
               <a:buNone/>
             </a:pPr>
-            <a:fld id="{4AE2FBC2-DD74-4312-BB9B-67387F249D84}" type="slidenum">
+            <a:fld id="{958CC7CE-A5D6-47A3-B62D-807F38F0D9EA}" type="slidenum">
               <a:rPr b="0" lang="en-US" sz="1200" spc="-1" strike="noStrike">
                 <a:solidFill>
                   <a:srgbClr val="000000"/>
@@ -1527,7 +1527,7 @@
         <p:spPr>
           <a:xfrm>
             <a:off x="380880" y="685800"/>
-            <a:ext cx="6091200" cy="3424320"/>
+            <a:ext cx="6090840" cy="3423960"/>
           </a:xfrm>
           <a:prstGeom prst="rect">
             <a:avLst/>
@@ -1550,7 +1550,7 @@
         <p:spPr>
           <a:xfrm>
             <a:off x="685800" y="4343400"/>
-            <a:ext cx="5481720" cy="4110120"/>
+            <a:ext cx="5481360" cy="4109760"/>
           </a:xfrm>
           <a:prstGeom prst="rect">
             <a:avLst/>
@@ -1584,7 +1584,7 @@
         <p:spPr>
           <a:xfrm>
             <a:off x="3884760" y="8685360"/>
-            <a:ext cx="2967120" cy="452520"/>
+            <a:ext cx="2966760" cy="452160"/>
           </a:xfrm>
           <a:prstGeom prst="rect">
             <a:avLst/>
@@ -1620,7 +1620,7 @@
               </a:lnSpc>
               <a:buNone/>
             </a:pPr>
-            <a:fld id="{999DAF71-B005-42F7-B73E-4FAFBCB690CF}" type="slidenum">
+            <a:fld id="{1AA58E0E-950B-427B-8D9A-0A8DFFF29E6F}" type="slidenum">
               <a:rPr b="0" lang="en-US" sz="1200" spc="-1" strike="noStrike">
                 <a:solidFill>
                   <a:srgbClr val="000000"/>
@@ -1671,7 +1671,7 @@
         <p:spPr>
           <a:xfrm>
             <a:off x="380880" y="685800"/>
-            <a:ext cx="6091200" cy="3424320"/>
+            <a:ext cx="6090840" cy="3423960"/>
           </a:xfrm>
           <a:prstGeom prst="rect">
             <a:avLst/>
@@ -1694,7 +1694,7 @@
         <p:spPr>
           <a:xfrm>
             <a:off x="685800" y="4343400"/>
-            <a:ext cx="5481720" cy="4110120"/>
+            <a:ext cx="5481360" cy="4109760"/>
           </a:xfrm>
           <a:prstGeom prst="rect">
             <a:avLst/>
@@ -1728,7 +1728,7 @@
         <p:spPr>
           <a:xfrm>
             <a:off x="3884760" y="8685360"/>
-            <a:ext cx="2967120" cy="452520"/>
+            <a:ext cx="2966760" cy="452160"/>
           </a:xfrm>
           <a:prstGeom prst="rect">
             <a:avLst/>
@@ -1764,7 +1764,7 @@
               </a:lnSpc>
               <a:buNone/>
             </a:pPr>
-            <a:fld id="{0A717934-19D4-400E-8764-3CACB2DE2101}" type="slidenum">
+            <a:fld id="{FB10B9C5-5DC5-49DF-905F-A1EAAABCFD02}" type="slidenum">
               <a:rPr b="0" lang="en-US" sz="1200" spc="-1" strike="noStrike">
                 <a:solidFill>
                   <a:srgbClr val="000000"/>
@@ -1815,7 +1815,7 @@
         <p:spPr>
           <a:xfrm>
             <a:off x="380880" y="685800"/>
-            <a:ext cx="6091200" cy="3424320"/>
+            <a:ext cx="6090840" cy="3423960"/>
           </a:xfrm>
           <a:prstGeom prst="rect">
             <a:avLst/>
@@ -1838,7 +1838,7 @@
         <p:spPr>
           <a:xfrm>
             <a:off x="685800" y="4343400"/>
-            <a:ext cx="5481720" cy="4110120"/>
+            <a:ext cx="5481360" cy="4109760"/>
           </a:xfrm>
           <a:prstGeom prst="rect">
             <a:avLst/>
@@ -1872,7 +1872,7 @@
         <p:spPr>
           <a:xfrm>
             <a:off x="3884760" y="8685360"/>
-            <a:ext cx="2967120" cy="452520"/>
+            <a:ext cx="2966760" cy="452160"/>
           </a:xfrm>
           <a:prstGeom prst="rect">
             <a:avLst/>
@@ -1908,7 +1908,7 @@
               </a:lnSpc>
               <a:buNone/>
             </a:pPr>
-            <a:fld id="{3976AD98-1AFA-4B84-B071-6AD49CE54CAD}" type="slidenum">
+            <a:fld id="{CFDDD49F-D6C3-45E7-9839-B733B64AD7BD}" type="slidenum">
               <a:rPr b="0" lang="en-US" sz="1200" spc="-1" strike="noStrike">
                 <a:solidFill>
                   <a:srgbClr val="000000"/>
@@ -1959,7 +1959,7 @@
         <p:spPr>
           <a:xfrm>
             <a:off x="380880" y="685800"/>
-            <a:ext cx="6091200" cy="3424320"/>
+            <a:ext cx="6090840" cy="3423960"/>
           </a:xfrm>
           <a:prstGeom prst="rect">
             <a:avLst/>
@@ -1982,7 +1982,7 @@
         <p:spPr>
           <a:xfrm>
             <a:off x="685800" y="4343400"/>
-            <a:ext cx="5481720" cy="4110120"/>
+            <a:ext cx="5481360" cy="4109760"/>
           </a:xfrm>
           <a:prstGeom prst="rect">
             <a:avLst/>
@@ -2016,7 +2016,7 @@
         <p:spPr>
           <a:xfrm>
             <a:off x="3884760" y="8685360"/>
-            <a:ext cx="2967120" cy="452520"/>
+            <a:ext cx="2966760" cy="452160"/>
           </a:xfrm>
           <a:prstGeom prst="rect">
             <a:avLst/>
@@ -2052,7 +2052,7 @@
               </a:lnSpc>
               <a:buNone/>
             </a:pPr>
-            <a:fld id="{7067C86F-392A-480D-95A1-FF24AE71586F}" type="slidenum">
+            <a:fld id="{F8FE1428-AFF7-4673-AAFF-DC9FC695A779}" type="slidenum">
               <a:rPr b="0" lang="en-US" sz="1200" spc="-1" strike="noStrike">
                 <a:solidFill>
                   <a:srgbClr val="000000"/>
@@ -2103,7 +2103,7 @@
         <p:spPr>
           <a:xfrm>
             <a:off x="380880" y="685800"/>
-            <a:ext cx="6091200" cy="3424320"/>
+            <a:ext cx="6090840" cy="3423960"/>
           </a:xfrm>
           <a:prstGeom prst="rect">
             <a:avLst/>
@@ -2126,7 +2126,7 @@
         <p:spPr>
           <a:xfrm>
             <a:off x="685800" y="4343400"/>
-            <a:ext cx="5481720" cy="4110120"/>
+            <a:ext cx="5481360" cy="4109760"/>
           </a:xfrm>
           <a:prstGeom prst="rect">
             <a:avLst/>
@@ -2160,7 +2160,7 @@
         <p:spPr>
           <a:xfrm>
             <a:off x="3884760" y="8685360"/>
-            <a:ext cx="2967120" cy="452520"/>
+            <a:ext cx="2966760" cy="452160"/>
           </a:xfrm>
           <a:prstGeom prst="rect">
             <a:avLst/>
@@ -2196,7 +2196,7 @@
               </a:lnSpc>
               <a:buNone/>
             </a:pPr>
-            <a:fld id="{600585C3-12E8-44BE-A79A-EACA6E94368F}" type="slidenum">
+            <a:fld id="{1612FBCD-99BF-4484-9D91-9384B7A63ABB}" type="slidenum">
               <a:rPr b="0" lang="en-US" sz="1200" spc="-1" strike="noStrike">
                 <a:solidFill>
                   <a:srgbClr val="000000"/>
@@ -2247,7 +2247,7 @@
         <p:spPr>
           <a:xfrm>
             <a:off x="380880" y="685800"/>
-            <a:ext cx="6091200" cy="3424320"/>
+            <a:ext cx="6090840" cy="3423960"/>
           </a:xfrm>
           <a:prstGeom prst="rect">
             <a:avLst/>
@@ -2270,7 +2270,7 @@
         <p:spPr>
           <a:xfrm>
             <a:off x="685800" y="4343400"/>
-            <a:ext cx="5481720" cy="4110120"/>
+            <a:ext cx="5481360" cy="4109760"/>
           </a:xfrm>
           <a:prstGeom prst="rect">
             <a:avLst/>
@@ -2304,7 +2304,7 @@
         <p:spPr>
           <a:xfrm>
             <a:off x="3884760" y="8685360"/>
-            <a:ext cx="2967120" cy="452520"/>
+            <a:ext cx="2966760" cy="452160"/>
           </a:xfrm>
           <a:prstGeom prst="rect">
             <a:avLst/>
@@ -2340,7 +2340,7 @@
               </a:lnSpc>
               <a:buNone/>
             </a:pPr>
-            <a:fld id="{60705271-2937-43A1-A5FA-CE2DBAE0AB63}" type="slidenum">
+            <a:fld id="{C04D9535-21BA-46E3-A6A6-199A4C9BBB99}" type="slidenum">
               <a:rPr b="0" lang="en-US" sz="1200" spc="-1" strike="noStrike">
                 <a:solidFill>
                   <a:srgbClr val="000000"/>
@@ -2391,7 +2391,7 @@
         <p:spPr>
           <a:xfrm>
             <a:off x="380880" y="685800"/>
-            <a:ext cx="6091200" cy="3424320"/>
+            <a:ext cx="6090840" cy="3423960"/>
           </a:xfrm>
           <a:prstGeom prst="rect">
             <a:avLst/>
@@ -2414,7 +2414,7 @@
         <p:spPr>
           <a:xfrm>
             <a:off x="685800" y="4343400"/>
-            <a:ext cx="5481720" cy="4110120"/>
+            <a:ext cx="5481360" cy="4109760"/>
           </a:xfrm>
           <a:prstGeom prst="rect">
             <a:avLst/>
@@ -2448,7 +2448,7 @@
         <p:spPr>
           <a:xfrm>
             <a:off x="3884760" y="8685360"/>
-            <a:ext cx="2967120" cy="452520"/>
+            <a:ext cx="2966760" cy="452160"/>
           </a:xfrm>
           <a:prstGeom prst="rect">
             <a:avLst/>
@@ -2484,7 +2484,7 @@
               </a:lnSpc>
               <a:buNone/>
             </a:pPr>
-            <a:fld id="{1408B5F6-0F1C-4CDD-8186-FCCAF6B0ADB0}" type="slidenum">
+            <a:fld id="{41D6EE38-D51A-44BE-B7CA-858D2DE8D170}" type="slidenum">
               <a:rPr b="0" lang="en-US" sz="1200" spc="-1" strike="noStrike">
                 <a:solidFill>
                   <a:srgbClr val="000000"/>
@@ -2535,7 +2535,7 @@
         <p:spPr>
           <a:xfrm>
             <a:off x="380880" y="685800"/>
-            <a:ext cx="6091200" cy="3424320"/>
+            <a:ext cx="6090840" cy="3423960"/>
           </a:xfrm>
           <a:prstGeom prst="rect">
             <a:avLst/>
@@ -2558,7 +2558,7 @@
         <p:spPr>
           <a:xfrm>
             <a:off x="685800" y="4343400"/>
-            <a:ext cx="5481720" cy="4110120"/>
+            <a:ext cx="5481360" cy="4109760"/>
           </a:xfrm>
           <a:prstGeom prst="rect">
             <a:avLst/>
@@ -2592,7 +2592,7 @@
         <p:spPr>
           <a:xfrm>
             <a:off x="3884760" y="8685360"/>
-            <a:ext cx="2967120" cy="452520"/>
+            <a:ext cx="2966760" cy="452160"/>
           </a:xfrm>
           <a:prstGeom prst="rect">
             <a:avLst/>
@@ -2628,7 +2628,7 @@
               </a:lnSpc>
               <a:buNone/>
             </a:pPr>
-            <a:fld id="{58267ACE-C69D-4445-9C62-025A7E315C75}" type="slidenum">
+            <a:fld id="{AE1536A5-B7E0-448C-B84F-351AD72DAB0A}" type="slidenum">
               <a:rPr b="0" lang="en-US" sz="1200" spc="-1" strike="noStrike">
                 <a:solidFill>
                   <a:srgbClr val="000000"/>
@@ -2679,7 +2679,7 @@
         <p:spPr>
           <a:xfrm>
             <a:off x="380880" y="685800"/>
-            <a:ext cx="6091200" cy="3424320"/>
+            <a:ext cx="6090840" cy="3423960"/>
           </a:xfrm>
           <a:prstGeom prst="rect">
             <a:avLst/>
@@ -2702,7 +2702,7 @@
         <p:spPr>
           <a:xfrm>
             <a:off x="685800" y="4343400"/>
-            <a:ext cx="5481720" cy="4110120"/>
+            <a:ext cx="5481360" cy="4109760"/>
           </a:xfrm>
           <a:prstGeom prst="rect">
             <a:avLst/>
@@ -2736,7 +2736,7 @@
         <p:spPr>
           <a:xfrm>
             <a:off x="3884760" y="8685360"/>
-            <a:ext cx="2967120" cy="452520"/>
+            <a:ext cx="2966760" cy="452160"/>
           </a:xfrm>
           <a:prstGeom prst="rect">
             <a:avLst/>
@@ -2772,7 +2772,7 @@
               </a:lnSpc>
               <a:buNone/>
             </a:pPr>
-            <a:fld id="{F9F71462-E7FD-4AD2-BC91-9B525804E09C}" type="slidenum">
+            <a:fld id="{9BFFE18D-2D27-4E85-9821-451EB974F963}" type="slidenum">
               <a:rPr b="0" lang="en-US" sz="1200" spc="-1" strike="noStrike">
                 <a:solidFill>
                   <a:srgbClr val="000000"/>
@@ -2823,7 +2823,7 @@
         <p:spPr>
           <a:xfrm>
             <a:off x="380880" y="685800"/>
-            <a:ext cx="6091200" cy="3424320"/>
+            <a:ext cx="6090840" cy="3423960"/>
           </a:xfrm>
           <a:prstGeom prst="rect">
             <a:avLst/>
@@ -2846,7 +2846,7 @@
         <p:spPr>
           <a:xfrm>
             <a:off x="685800" y="4343400"/>
-            <a:ext cx="5481720" cy="4110120"/>
+            <a:ext cx="5481360" cy="4109760"/>
           </a:xfrm>
           <a:prstGeom prst="rect">
             <a:avLst/>
@@ -2880,7 +2880,7 @@
         <p:spPr>
           <a:xfrm>
             <a:off x="3884760" y="8685360"/>
-            <a:ext cx="2967120" cy="452520"/>
+            <a:ext cx="2966760" cy="452160"/>
           </a:xfrm>
           <a:prstGeom prst="rect">
             <a:avLst/>
@@ -2916,7 +2916,7 @@
               </a:lnSpc>
               <a:buNone/>
             </a:pPr>
-            <a:fld id="{BADD31AB-3C32-4683-BC2E-D7519F3A7450}" type="slidenum">
+            <a:fld id="{0AF58CDF-F8F1-4258-ACFD-478DA6E5E409}" type="slidenum">
               <a:rPr b="0" lang="en-US" sz="1200" spc="-1" strike="noStrike">
                 <a:solidFill>
                   <a:srgbClr val="000000"/>
@@ -2967,7 +2967,7 @@
         <p:spPr>
           <a:xfrm>
             <a:off x="380880" y="685800"/>
-            <a:ext cx="6091200" cy="3424320"/>
+            <a:ext cx="6090840" cy="3423960"/>
           </a:xfrm>
           <a:prstGeom prst="rect">
             <a:avLst/>
@@ -2990,7 +2990,7 @@
         <p:spPr>
           <a:xfrm>
             <a:off x="685800" y="4343400"/>
-            <a:ext cx="5481720" cy="4110120"/>
+            <a:ext cx="5481360" cy="4109760"/>
           </a:xfrm>
           <a:prstGeom prst="rect">
             <a:avLst/>
@@ -3024,7 +3024,7 @@
         <p:spPr>
           <a:xfrm>
             <a:off x="3884760" y="8685360"/>
-            <a:ext cx="2967120" cy="452520"/>
+            <a:ext cx="2966760" cy="452160"/>
           </a:xfrm>
           <a:prstGeom prst="rect">
             <a:avLst/>
@@ -3060,7 +3060,7 @@
               </a:lnSpc>
               <a:buNone/>
             </a:pPr>
-            <a:fld id="{B1462069-D4F1-400E-B03B-7A88B6D042D4}" type="slidenum">
+            <a:fld id="{7D5EB7D3-E710-4178-8421-4F921EB278C2}" type="slidenum">
               <a:rPr b="0" lang="en-US" sz="1200" spc="-1" strike="noStrike">
                 <a:solidFill>
                   <a:srgbClr val="000000"/>
@@ -3111,7 +3111,7 @@
         <p:spPr>
           <a:xfrm>
             <a:off x="380880" y="685800"/>
-            <a:ext cx="6091200" cy="3424320"/>
+            <a:ext cx="6090840" cy="3423960"/>
           </a:xfrm>
           <a:prstGeom prst="rect">
             <a:avLst/>
@@ -3134,7 +3134,7 @@
         <p:spPr>
           <a:xfrm>
             <a:off x="685800" y="4343400"/>
-            <a:ext cx="5481720" cy="4110120"/>
+            <a:ext cx="5481360" cy="4109760"/>
           </a:xfrm>
           <a:prstGeom prst="rect">
             <a:avLst/>
@@ -3168,7 +3168,7 @@
         <p:spPr>
           <a:xfrm>
             <a:off x="3884760" y="8685360"/>
-            <a:ext cx="2967120" cy="452520"/>
+            <a:ext cx="2966760" cy="452160"/>
           </a:xfrm>
           <a:prstGeom prst="rect">
             <a:avLst/>
@@ -3204,7 +3204,7 @@
               </a:lnSpc>
               <a:buNone/>
             </a:pPr>
-            <a:fld id="{C8D6A6FD-88DB-4CA4-AF6F-436A6F8D929C}" type="slidenum">
+            <a:fld id="{2204A7BC-227C-4503-8894-59D89CD868FF}" type="slidenum">
               <a:rPr b="0" lang="en-US" sz="1200" spc="-1" strike="noStrike">
                 <a:solidFill>
                   <a:srgbClr val="000000"/>
@@ -3255,7 +3255,7 @@
         <p:spPr>
           <a:xfrm>
             <a:off x="380880" y="685800"/>
-            <a:ext cx="6091200" cy="3424320"/>
+            <a:ext cx="6090840" cy="3423960"/>
           </a:xfrm>
           <a:prstGeom prst="rect">
             <a:avLst/>
@@ -3278,7 +3278,7 @@
         <p:spPr>
           <a:xfrm>
             <a:off x="685800" y="4343400"/>
-            <a:ext cx="5481720" cy="4110120"/>
+            <a:ext cx="5481360" cy="4109760"/>
           </a:xfrm>
           <a:prstGeom prst="rect">
             <a:avLst/>
@@ -3312,7 +3312,7 @@
         <p:spPr>
           <a:xfrm>
             <a:off x="3884760" y="8685360"/>
-            <a:ext cx="2967120" cy="452520"/>
+            <a:ext cx="2966760" cy="452160"/>
           </a:xfrm>
           <a:prstGeom prst="rect">
             <a:avLst/>
@@ -3348,7 +3348,7 @@
               </a:lnSpc>
               <a:buNone/>
             </a:pPr>
-            <a:fld id="{38DB547D-A5D2-4204-A995-96967E734C0E}" type="slidenum">
+            <a:fld id="{3AB18C06-1C28-4281-A5FA-043CF78FD5FF}" type="slidenum">
               <a:rPr b="0" lang="en-US" sz="1200" spc="-1" strike="noStrike">
                 <a:solidFill>
                   <a:srgbClr val="000000"/>
@@ -3399,7 +3399,7 @@
         <p:spPr>
           <a:xfrm>
             <a:off x="380880" y="685800"/>
-            <a:ext cx="6091200" cy="3424320"/>
+            <a:ext cx="6090840" cy="3423960"/>
           </a:xfrm>
           <a:prstGeom prst="rect">
             <a:avLst/>
@@ -3422,7 +3422,7 @@
         <p:spPr>
           <a:xfrm>
             <a:off x="685800" y="4343400"/>
-            <a:ext cx="5481720" cy="4110120"/>
+            <a:ext cx="5481360" cy="4109760"/>
           </a:xfrm>
           <a:prstGeom prst="rect">
             <a:avLst/>
@@ -3456,7 +3456,7 @@
         <p:spPr>
           <a:xfrm>
             <a:off x="3884760" y="8685360"/>
-            <a:ext cx="2967120" cy="452520"/>
+            <a:ext cx="2966760" cy="452160"/>
           </a:xfrm>
           <a:prstGeom prst="rect">
             <a:avLst/>
@@ -3492,7 +3492,7 @@
               </a:lnSpc>
               <a:buNone/>
             </a:pPr>
-            <a:fld id="{797B19BB-0972-44D6-B24E-A409F0F8F083}" type="slidenum">
+            <a:fld id="{07635093-0892-4AAF-8B8F-8145C6F9DA60}" type="slidenum">
               <a:rPr b="0" lang="en-US" sz="1200" spc="-1" strike="noStrike">
                 <a:solidFill>
                   <a:srgbClr val="000000"/>
@@ -3543,7 +3543,7 @@
         <p:spPr>
           <a:xfrm>
             <a:off x="380880" y="685800"/>
-            <a:ext cx="6091200" cy="3424320"/>
+            <a:ext cx="6090840" cy="3423960"/>
           </a:xfrm>
           <a:prstGeom prst="rect">
             <a:avLst/>
@@ -3566,7 +3566,7 @@
         <p:spPr>
           <a:xfrm>
             <a:off x="685800" y="4343400"/>
-            <a:ext cx="5481720" cy="4110120"/>
+            <a:ext cx="5481360" cy="4109760"/>
           </a:xfrm>
           <a:prstGeom prst="rect">
             <a:avLst/>
@@ -3600,7 +3600,7 @@
         <p:spPr>
           <a:xfrm>
             <a:off x="3884760" y="8685360"/>
-            <a:ext cx="2967120" cy="452520"/>
+            <a:ext cx="2966760" cy="452160"/>
           </a:xfrm>
           <a:prstGeom prst="rect">
             <a:avLst/>
@@ -3636,7 +3636,7 @@
               </a:lnSpc>
               <a:buNone/>
             </a:pPr>
-            <a:fld id="{B5133B84-8FC7-4046-813C-6D6F723BED3A}" type="slidenum">
+            <a:fld id="{1F7AEE68-CF1E-4ABF-BB91-4C9F00ED14F8}" type="slidenum">
               <a:rPr b="0" lang="en-US" sz="1200" spc="-1" strike="noStrike">
                 <a:solidFill>
                   <a:srgbClr val="000000"/>
@@ -3687,7 +3687,7 @@
         <p:spPr>
           <a:xfrm>
             <a:off x="380880" y="685800"/>
-            <a:ext cx="6091200" cy="3424320"/>
+            <a:ext cx="6090840" cy="3423960"/>
           </a:xfrm>
           <a:prstGeom prst="rect">
             <a:avLst/>
@@ -3710,7 +3710,7 @@
         <p:spPr>
           <a:xfrm>
             <a:off x="685800" y="4343400"/>
-            <a:ext cx="5481720" cy="4110120"/>
+            <a:ext cx="5481360" cy="4109760"/>
           </a:xfrm>
           <a:prstGeom prst="rect">
             <a:avLst/>
@@ -3744,7 +3744,7 @@
         <p:spPr>
           <a:xfrm>
             <a:off x="3884760" y="8685360"/>
-            <a:ext cx="2967120" cy="452520"/>
+            <a:ext cx="2966760" cy="452160"/>
           </a:xfrm>
           <a:prstGeom prst="rect">
             <a:avLst/>
@@ -3780,7 +3780,7 @@
               </a:lnSpc>
               <a:buNone/>
             </a:pPr>
-            <a:fld id="{564058A0-F552-4C61-941C-DD3521EBC921}" type="slidenum">
+            <a:fld id="{D5DDA870-5C8D-4FDB-8996-565F3BDDC09E}" type="slidenum">
               <a:rPr b="0" lang="en-US" sz="1200" spc="-1" strike="noStrike">
                 <a:solidFill>
                   <a:srgbClr val="000000"/>
@@ -3831,7 +3831,7 @@
         <p:spPr>
           <a:xfrm>
             <a:off x="380880" y="685800"/>
-            <a:ext cx="6091200" cy="3424320"/>
+            <a:ext cx="6090840" cy="3423960"/>
           </a:xfrm>
           <a:prstGeom prst="rect">
             <a:avLst/>
@@ -3854,7 +3854,7 @@
         <p:spPr>
           <a:xfrm>
             <a:off x="685800" y="4343400"/>
-            <a:ext cx="5481720" cy="4110120"/>
+            <a:ext cx="5481360" cy="4109760"/>
           </a:xfrm>
           <a:prstGeom prst="rect">
             <a:avLst/>
@@ -3888,7 +3888,7 @@
         <p:spPr>
           <a:xfrm>
             <a:off x="3884760" y="8685360"/>
-            <a:ext cx="2967120" cy="452520"/>
+            <a:ext cx="2966760" cy="452160"/>
           </a:xfrm>
           <a:prstGeom prst="rect">
             <a:avLst/>
@@ -3924,7 +3924,7 @@
               </a:lnSpc>
               <a:buNone/>
             </a:pPr>
-            <a:fld id="{F9422A01-4DBF-461C-96A4-10E921CD26D5}" type="slidenum">
+            <a:fld id="{193EC612-6650-4EE9-BFB5-F2CE60C394CB}" type="slidenum">
               <a:rPr b="0" lang="en-US" sz="1200" spc="-1" strike="noStrike">
                 <a:solidFill>
                   <a:srgbClr val="000000"/>
@@ -3975,7 +3975,7 @@
         <p:spPr>
           <a:xfrm>
             <a:off x="380880" y="685800"/>
-            <a:ext cx="6091200" cy="3424320"/>
+            <a:ext cx="6090840" cy="3423960"/>
           </a:xfrm>
           <a:prstGeom prst="rect">
             <a:avLst/>
@@ -3998,7 +3998,7 @@
         <p:spPr>
           <a:xfrm>
             <a:off x="685800" y="4343400"/>
-            <a:ext cx="5481720" cy="4110120"/>
+            <a:ext cx="5481360" cy="4109760"/>
           </a:xfrm>
           <a:prstGeom prst="rect">
             <a:avLst/>
@@ -4032,7 +4032,7 @@
         <p:spPr>
           <a:xfrm>
             <a:off x="3884760" y="8685360"/>
-            <a:ext cx="2967120" cy="452520"/>
+            <a:ext cx="2966760" cy="452160"/>
           </a:xfrm>
           <a:prstGeom prst="rect">
             <a:avLst/>
@@ -4068,7 +4068,7 @@
               </a:lnSpc>
               <a:buNone/>
             </a:pPr>
-            <a:fld id="{55D7267A-1DE9-4CA4-9EB7-98067C296E37}" type="slidenum">
+            <a:fld id="{1215881D-A6FA-4A0C-8E92-B69FCB022E73}" type="slidenum">
               <a:rPr b="0" lang="en-US" sz="1200" spc="-1" strike="noStrike">
                 <a:solidFill>
                   <a:srgbClr val="000000"/>
@@ -4119,7 +4119,7 @@
         <p:spPr>
           <a:xfrm>
             <a:off x="380880" y="685800"/>
-            <a:ext cx="6091200" cy="3424320"/>
+            <a:ext cx="6090840" cy="3423960"/>
           </a:xfrm>
           <a:prstGeom prst="rect">
             <a:avLst/>
@@ -4142,7 +4142,7 @@
         <p:spPr>
           <a:xfrm>
             <a:off x="685800" y="4343400"/>
-            <a:ext cx="5481720" cy="4110120"/>
+            <a:ext cx="5481360" cy="4109760"/>
           </a:xfrm>
           <a:prstGeom prst="rect">
             <a:avLst/>
@@ -4176,7 +4176,7 @@
         <p:spPr>
           <a:xfrm>
             <a:off x="3884760" y="8685360"/>
-            <a:ext cx="2967120" cy="452520"/>
+            <a:ext cx="2966760" cy="452160"/>
           </a:xfrm>
           <a:prstGeom prst="rect">
             <a:avLst/>
@@ -4212,7 +4212,7 @@
               </a:lnSpc>
               <a:buNone/>
             </a:pPr>
-            <a:fld id="{FB18E4E3-79D9-4D08-B535-F682DD7FED08}" type="slidenum">
+            <a:fld id="{A13053B5-91C1-41F7-A298-B3D6CF9CA496}" type="slidenum">
               <a:rPr b="0" lang="en-US" sz="1200" spc="-1" strike="noStrike">
                 <a:solidFill>
                   <a:srgbClr val="000000"/>
@@ -4263,7 +4263,7 @@
         <p:spPr>
           <a:xfrm>
             <a:off x="380880" y="685800"/>
-            <a:ext cx="6091200" cy="3424320"/>
+            <a:ext cx="6090840" cy="3423960"/>
           </a:xfrm>
           <a:prstGeom prst="rect">
             <a:avLst/>
@@ -4286,7 +4286,7 @@
         <p:spPr>
           <a:xfrm>
             <a:off x="685800" y="4343400"/>
-            <a:ext cx="5481720" cy="4110120"/>
+            <a:ext cx="5481360" cy="4109760"/>
           </a:xfrm>
           <a:prstGeom prst="rect">
             <a:avLst/>
@@ -4320,7 +4320,7 @@
         <p:spPr>
           <a:xfrm>
             <a:off x="3884760" y="8685360"/>
-            <a:ext cx="2967120" cy="452520"/>
+            <a:ext cx="2966760" cy="452160"/>
           </a:xfrm>
           <a:prstGeom prst="rect">
             <a:avLst/>
@@ -4356,7 +4356,7 @@
               </a:lnSpc>
               <a:buNone/>
             </a:pPr>
-            <a:fld id="{6873118E-0BFF-4C7B-B04A-41F297891DD6}" type="slidenum">
+            <a:fld id="{B2C1010F-1702-45AE-90C5-778713653032}" type="slidenum">
               <a:rPr b="0" lang="en-US" sz="1200" spc="-1" strike="noStrike">
                 <a:solidFill>
                   <a:srgbClr val="000000"/>
@@ -4407,7 +4407,7 @@
         <p:spPr>
           <a:xfrm>
             <a:off x="380880" y="685800"/>
-            <a:ext cx="6091200" cy="3424320"/>
+            <a:ext cx="6090840" cy="3423960"/>
           </a:xfrm>
           <a:prstGeom prst="rect">
             <a:avLst/>
@@ -4430,7 +4430,7 @@
         <p:spPr>
           <a:xfrm>
             <a:off x="685800" y="4343400"/>
-            <a:ext cx="5481720" cy="4110120"/>
+            <a:ext cx="5481360" cy="4109760"/>
           </a:xfrm>
           <a:prstGeom prst="rect">
             <a:avLst/>
@@ -4464,7 +4464,7 @@
         <p:spPr>
           <a:xfrm>
             <a:off x="3884760" y="8685360"/>
-            <a:ext cx="2967120" cy="452520"/>
+            <a:ext cx="2966760" cy="452160"/>
           </a:xfrm>
           <a:prstGeom prst="rect">
             <a:avLst/>
@@ -4500,7 +4500,7 @@
               </a:lnSpc>
               <a:buNone/>
             </a:pPr>
-            <a:fld id="{24155B47-69B1-4295-9353-9A4CD3B8D50E}" type="slidenum">
+            <a:fld id="{B52DC0E2-DD4D-442D-A093-E085F767DF10}" type="slidenum">
               <a:rPr b="0" lang="en-US" sz="1200" spc="-1" strike="noStrike">
                 <a:solidFill>
                   <a:srgbClr val="000000"/>
@@ -4551,7 +4551,7 @@
         <p:spPr>
           <a:xfrm>
             <a:off x="380880" y="685800"/>
-            <a:ext cx="6091200" cy="3424320"/>
+            <a:ext cx="6090840" cy="3423960"/>
           </a:xfrm>
           <a:prstGeom prst="rect">
             <a:avLst/>
@@ -4574,7 +4574,7 @@
         <p:spPr>
           <a:xfrm>
             <a:off x="685800" y="4343400"/>
-            <a:ext cx="5481720" cy="4110120"/>
+            <a:ext cx="5481360" cy="4109760"/>
           </a:xfrm>
           <a:prstGeom prst="rect">
             <a:avLst/>
@@ -4608,7 +4608,7 @@
         <p:spPr>
           <a:xfrm>
             <a:off x="3884760" y="8685360"/>
-            <a:ext cx="2967120" cy="452520"/>
+            <a:ext cx="2966760" cy="452160"/>
           </a:xfrm>
           <a:prstGeom prst="rect">
             <a:avLst/>
@@ -4644,7 +4644,7 @@
               </a:lnSpc>
               <a:buNone/>
             </a:pPr>
-            <a:fld id="{1FC23CF1-91F3-4BD7-BF64-0DB962EA28A1}" type="slidenum">
+            <a:fld id="{9D9EE957-40B4-4FE1-9FFD-A5DEF4F39EC9}" type="slidenum">
               <a:rPr b="0" lang="en-US" sz="1200" spc="-1" strike="noStrike">
                 <a:solidFill>
                   <a:srgbClr val="000000"/>
@@ -4695,7 +4695,7 @@
         <p:spPr>
           <a:xfrm>
             <a:off x="380880" y="685800"/>
-            <a:ext cx="6091200" cy="3424320"/>
+            <a:ext cx="6090840" cy="3423960"/>
           </a:xfrm>
           <a:prstGeom prst="rect">
             <a:avLst/>
@@ -4718,7 +4718,7 @@
         <p:spPr>
           <a:xfrm>
             <a:off x="685800" y="4343400"/>
-            <a:ext cx="5481720" cy="4110120"/>
+            <a:ext cx="5481360" cy="4109760"/>
           </a:xfrm>
           <a:prstGeom prst="rect">
             <a:avLst/>
@@ -4752,7 +4752,7 @@
         <p:spPr>
           <a:xfrm>
             <a:off x="3884760" y="8685360"/>
-            <a:ext cx="2967120" cy="452520"/>
+            <a:ext cx="2966760" cy="452160"/>
           </a:xfrm>
           <a:prstGeom prst="rect">
             <a:avLst/>
@@ -4788,7 +4788,7 @@
               </a:lnSpc>
               <a:buNone/>
             </a:pPr>
-            <a:fld id="{23A7F5D4-3870-4977-9255-A8ACB00FD585}" type="slidenum">
+            <a:fld id="{B3B00170-09AC-4BC7-89BA-AA25828E4785}" type="slidenum">
               <a:rPr b="0" lang="en-US" sz="1200" spc="-1" strike="noStrike">
                 <a:solidFill>
                   <a:srgbClr val="000000"/>
@@ -4839,7 +4839,7 @@
         <p:spPr>
           <a:xfrm>
             <a:off x="380880" y="685800"/>
-            <a:ext cx="6091200" cy="3424320"/>
+            <a:ext cx="6090840" cy="3423960"/>
           </a:xfrm>
           <a:prstGeom prst="rect">
             <a:avLst/>
@@ -4862,7 +4862,7 @@
         <p:spPr>
           <a:xfrm>
             <a:off x="685800" y="4343400"/>
-            <a:ext cx="5481720" cy="4110120"/>
+            <a:ext cx="5481360" cy="4109760"/>
           </a:xfrm>
           <a:prstGeom prst="rect">
             <a:avLst/>
@@ -4896,7 +4896,7 @@
         <p:spPr>
           <a:xfrm>
             <a:off x="3884760" y="8685360"/>
-            <a:ext cx="2967120" cy="452520"/>
+            <a:ext cx="2966760" cy="452160"/>
           </a:xfrm>
           <a:prstGeom prst="rect">
             <a:avLst/>
@@ -4932,7 +4932,7 @@
               </a:lnSpc>
               <a:buNone/>
             </a:pPr>
-            <a:fld id="{A33D137E-7938-458F-AF76-0AEA9647C50F}" type="slidenum">
+            <a:fld id="{C612026C-3E48-4288-82F4-EA9AE0684612}" type="slidenum">
               <a:rPr b="0" lang="en-US" sz="1200" spc="-1" strike="noStrike">
                 <a:solidFill>
                   <a:srgbClr val="000000"/>
@@ -4983,7 +4983,7 @@
         <p:spPr>
           <a:xfrm>
             <a:off x="380880" y="685800"/>
-            <a:ext cx="6091200" cy="3424320"/>
+            <a:ext cx="6090840" cy="3423960"/>
           </a:xfrm>
           <a:prstGeom prst="rect">
             <a:avLst/>
@@ -5006,7 +5006,7 @@
         <p:spPr>
           <a:xfrm>
             <a:off x="685800" y="4343400"/>
-            <a:ext cx="5481720" cy="4110120"/>
+            <a:ext cx="5481360" cy="4109760"/>
           </a:xfrm>
           <a:prstGeom prst="rect">
             <a:avLst/>
@@ -5040,7 +5040,7 @@
         <p:spPr>
           <a:xfrm>
             <a:off x="3884760" y="8685360"/>
-            <a:ext cx="2967120" cy="452520"/>
+            <a:ext cx="2966760" cy="452160"/>
           </a:xfrm>
           <a:prstGeom prst="rect">
             <a:avLst/>
@@ -5076,7 +5076,7 @@
               </a:lnSpc>
               <a:buNone/>
             </a:pPr>
-            <a:fld id="{AE6F20F6-89AA-4CD4-9C35-9700E345311A}" type="slidenum">
+            <a:fld id="{9020E44C-E33E-4709-9CC3-4F46E6C7CFCE}" type="slidenum">
               <a:rPr b="0" lang="en-US" sz="1200" spc="-1" strike="noStrike">
                 <a:solidFill>
                   <a:srgbClr val="000000"/>
@@ -5127,7 +5127,7 @@
         <p:spPr>
           <a:xfrm>
             <a:off x="380880" y="685800"/>
-            <a:ext cx="6091200" cy="3424320"/>
+            <a:ext cx="6090840" cy="3423960"/>
           </a:xfrm>
           <a:prstGeom prst="rect">
             <a:avLst/>
@@ -5150,7 +5150,7 @@
         <p:spPr>
           <a:xfrm>
             <a:off x="685800" y="4343400"/>
-            <a:ext cx="5481720" cy="4110120"/>
+            <a:ext cx="5481360" cy="4109760"/>
           </a:xfrm>
           <a:prstGeom prst="rect">
             <a:avLst/>
@@ -5184,7 +5184,7 @@
         <p:spPr>
           <a:xfrm>
             <a:off x="3884760" y="8685360"/>
-            <a:ext cx="2967120" cy="452520"/>
+            <a:ext cx="2966760" cy="452160"/>
           </a:xfrm>
           <a:prstGeom prst="rect">
             <a:avLst/>
@@ -5220,7 +5220,7 @@
               </a:lnSpc>
               <a:buNone/>
             </a:pPr>
-            <a:fld id="{FC6DE129-FC70-430D-B441-7D530CA14885}" type="slidenum">
+            <a:fld id="{BB3C5B33-B273-483D-9C9D-1A96081A812B}" type="slidenum">
               <a:rPr b="0" lang="en-US" sz="1200" spc="-1" strike="noStrike">
                 <a:solidFill>
                   <a:srgbClr val="000000"/>
@@ -5271,7 +5271,7 @@
         <p:spPr>
           <a:xfrm>
             <a:off x="380880" y="685800"/>
-            <a:ext cx="6091200" cy="3424320"/>
+            <a:ext cx="6090840" cy="3423960"/>
           </a:xfrm>
           <a:prstGeom prst="rect">
             <a:avLst/>
@@ -5294,7 +5294,7 @@
         <p:spPr>
           <a:xfrm>
             <a:off x="685800" y="4343400"/>
-            <a:ext cx="5481720" cy="4110120"/>
+            <a:ext cx="5481360" cy="4109760"/>
           </a:xfrm>
           <a:prstGeom prst="rect">
             <a:avLst/>
@@ -5328,7 +5328,7 @@
         <p:spPr>
           <a:xfrm>
             <a:off x="3884760" y="8685360"/>
-            <a:ext cx="2967120" cy="452520"/>
+            <a:ext cx="2966760" cy="452160"/>
           </a:xfrm>
           <a:prstGeom prst="rect">
             <a:avLst/>
@@ -5364,7 +5364,7 @@
               </a:lnSpc>
               <a:buNone/>
             </a:pPr>
-            <a:fld id="{97AF8BAE-F346-43E3-9788-8042267BD254}" type="slidenum">
+            <a:fld id="{7DC2BB29-9554-4DE9-88E9-95D8675E1D94}" type="slidenum">
               <a:rPr b="0" lang="en-US" sz="1200" spc="-1" strike="noStrike">
                 <a:solidFill>
                   <a:srgbClr val="000000"/>
@@ -5415,7 +5415,7 @@
         <p:spPr>
           <a:xfrm>
             <a:off x="380880" y="685800"/>
-            <a:ext cx="6091200" cy="3424320"/>
+            <a:ext cx="6090840" cy="3423960"/>
           </a:xfrm>
           <a:prstGeom prst="rect">
             <a:avLst/>
@@ -5438,7 +5438,7 @@
         <p:spPr>
           <a:xfrm>
             <a:off x="685800" y="4343400"/>
-            <a:ext cx="5481720" cy="4110120"/>
+            <a:ext cx="5481360" cy="4109760"/>
           </a:xfrm>
           <a:prstGeom prst="rect">
             <a:avLst/>
@@ -5472,7 +5472,7 @@
         <p:spPr>
           <a:xfrm>
             <a:off x="3884760" y="8685360"/>
-            <a:ext cx="2967120" cy="452520"/>
+            <a:ext cx="2966760" cy="452160"/>
           </a:xfrm>
           <a:prstGeom prst="rect">
             <a:avLst/>
@@ -5508,7 +5508,7 @@
               </a:lnSpc>
               <a:buNone/>
             </a:pPr>
-            <a:fld id="{AE165DE6-2BD5-4DE7-8B3B-256DCA5BCDDD}" type="slidenum">
+            <a:fld id="{095C6ECD-63FA-4520-9871-2E5972005000}" type="slidenum">
               <a:rPr b="0" lang="en-US" sz="1200" spc="-1" strike="noStrike">
                 <a:solidFill>
                   <a:srgbClr val="000000"/>
@@ -5580,7 +5580,7 @@
         <p:txBody>
           <a:bodyPr/>
           <a:p>
-            <a:fld id="{8FB0F05B-C9FC-4E12-BC64-1E4F189D7674}" type="slidenum">
+            <a:fld id="{CBFAAFED-D784-4449-B1CC-8D8DC2D76014}" type="slidenum">
               <a:t>&lt;#&gt;</a:t>
             </a:fld>
           </a:p>
@@ -5768,7 +5768,7 @@
         <p:txBody>
           <a:bodyPr/>
           <a:p>
-            <a:fld id="{E9B41268-CB7F-4708-9A92-7A041D36E300}" type="slidenum">
+            <a:fld id="{7DCF9146-3F26-40C4-A526-28D0EBA4210F}" type="slidenum">
               <a:t>&lt;#&gt;</a:t>
             </a:fld>
           </a:p>
@@ -6024,7 +6024,7 @@
         <p:txBody>
           <a:bodyPr/>
           <a:p>
-            <a:fld id="{905B2038-A577-44B0-BE1E-E57DC7C7FB10}" type="slidenum">
+            <a:fld id="{1EA24C54-6584-479E-AF9D-E57BBEDE931C}" type="slidenum">
               <a:t>&lt;#&gt;</a:t>
             </a:fld>
           </a:p>
@@ -6348,7 +6348,7 @@
         <p:txBody>
           <a:bodyPr/>
           <a:p>
-            <a:fld id="{9F34C222-31E4-47E8-8F04-03FC1790E890}" type="slidenum">
+            <a:fld id="{4D97DA7E-4BE0-4464-A07A-160D963020AF}" type="slidenum">
               <a:t>&lt;#&gt;</a:t>
             </a:fld>
           </a:p>
@@ -6505,7 +6505,7 @@
         <p:txBody>
           <a:bodyPr/>
           <a:p>
-            <a:fld id="{E5E3FA6A-2A57-448A-959C-8536FB92F0B6}" type="slidenum">
+            <a:fld id="{7AAE0EE1-0282-41E3-AD37-CEE2DE405092}" type="slidenum">
               <a:t>&lt;#&gt;</a:t>
             </a:fld>
           </a:p>
@@ -6659,7 +6659,7 @@
         <p:txBody>
           <a:bodyPr/>
           <a:p>
-            <a:fld id="{42049713-FF1A-4F58-8A97-E0DAF9CE9E7A}" type="slidenum">
+            <a:fld id="{8FF41833-34BB-42BD-8417-E3B807CDA2DA}" type="slidenum">
               <a:t>&lt;#&gt;</a:t>
             </a:fld>
           </a:p>
@@ -6847,7 +6847,7 @@
         <p:txBody>
           <a:bodyPr/>
           <a:p>
-            <a:fld id="{E22A2A45-E5B8-4FC9-BA7D-19C4D4380FA0}" type="slidenum">
+            <a:fld id="{E60EF710-52DE-4FB7-9FAA-BFAC7D5724D8}" type="slidenum">
               <a:t>&lt;#&gt;</a:t>
             </a:fld>
           </a:p>
@@ -6967,7 +6967,7 @@
         <p:txBody>
           <a:bodyPr/>
           <a:p>
-            <a:fld id="{F3610749-3C5B-48CC-9A28-4AA38448EE55}" type="slidenum">
+            <a:fld id="{04CEB914-B024-4F65-A0C6-1DF2E8D9CF4B}" type="slidenum">
               <a:t>&lt;#&gt;</a:t>
             </a:fld>
           </a:p>
@@ -7087,7 +7087,7 @@
         <p:txBody>
           <a:bodyPr/>
           <a:p>
-            <a:fld id="{E3AA7858-94D4-4408-9229-87A9A4F1FB23}" type="slidenum">
+            <a:fld id="{BEFFF8A4-66CD-4A65-B712-4340B7213A7D}" type="slidenum">
               <a:t>&lt;#&gt;</a:t>
             </a:fld>
           </a:p>
@@ -7309,7 +7309,7 @@
         <p:txBody>
           <a:bodyPr/>
           <a:p>
-            <a:fld id="{50536CC3-A577-4D84-B572-7A67FADB4EE6}" type="slidenum">
+            <a:fld id="{D77C2DEA-CFF3-4570-A243-468046F76E9A}" type="slidenum">
               <a:t>&lt;#&gt;</a:t>
             </a:fld>
           </a:p>
@@ -7531,7 +7531,7 @@
         <p:txBody>
           <a:bodyPr/>
           <a:p>
-            <a:fld id="{1D020462-05C5-4BA8-AF2C-F1115293AED6}" type="slidenum">
+            <a:fld id="{D889AA81-6213-496B-AA4A-ABD487A5DF97}" type="slidenum">
               <a:t>&lt;#&gt;</a:t>
             </a:fld>
           </a:p>
@@ -7753,7 +7753,7 @@
         <p:txBody>
           <a:bodyPr/>
           <a:p>
-            <a:fld id="{4C6B4FD8-8D9E-492E-8C67-1323229A24BC}" type="slidenum">
+            <a:fld id="{B355CF09-9E19-43F7-84D1-3A6683A92529}" type="slidenum">
               <a:t>&lt;#&gt;</a:t>
             </a:fld>
           </a:p>
@@ -7822,7 +7822,7 @@
         <p:spPr>
           <a:xfrm>
             <a:off x="3028680" y="4771440"/>
-            <a:ext cx="3081960" cy="270000"/>
+            <a:ext cx="3081600" cy="269640"/>
           </a:xfrm>
           <a:prstGeom prst="rect">
             <a:avLst/>
@@ -7866,7 +7866,7 @@
                 <a:latin typeface="Times New Roman"/>
                 <a:ea typeface="DejaVu Sans"/>
               </a:rPr>
-              <a:t> </a:t>
+              <a:t>&lt;footer&gt;</a:t>
             </a:r>
             <a:endParaRPr b="0" lang="en-US" sz="1400" spc="-1" strike="noStrike">
               <a:latin typeface="Times New Roman"/>
@@ -7887,7 +7887,7 @@
         <p:spPr>
           <a:xfrm>
             <a:off x="6457680" y="4771440"/>
-            <a:ext cx="2053440" cy="270000"/>
+            <a:ext cx="2053080" cy="269640"/>
           </a:xfrm>
           <a:prstGeom prst="rect">
             <a:avLst/>
@@ -7923,7 +7923,7 @@
               </a:lnSpc>
               <a:buNone/>
             </a:pPr>
-            <a:fld id="{154BEF98-17C6-4CCC-9D71-0510B094C441}" type="slidenum">
+            <a:fld id="{381085C4-E6A0-4549-A28C-A6955E699616}" type="slidenum">
               <a:rPr b="0" lang="en-US" sz="1200" spc="-1" strike="noStrike">
                 <a:solidFill>
                   <a:srgbClr val="8b8b8b"/>
@@ -7931,7 +7931,7 @@
                 <a:latin typeface="Calibri"/>
                 <a:ea typeface="DejaVu Sans"/>
               </a:rPr>
-              <a:t>35</a:t>
+              <a:t>&lt;number&gt;</a:t>
             </a:fld>
             <a:endParaRPr b="0" lang="en-US" sz="1200" spc="-1" strike="noStrike">
               <a:latin typeface="Times New Roman"/>
@@ -7952,7 +7952,7 @@
         <p:spPr>
           <a:xfrm>
             <a:off x="628200" y="4771440"/>
-            <a:ext cx="2053440" cy="270000"/>
+            <a:ext cx="2053080" cy="269640"/>
           </a:xfrm>
           <a:prstGeom prst="rect">
             <a:avLst/>
@@ -7978,7 +7978,7 @@
               <a:rPr b="0" lang="en-US" sz="1400" spc="-1" strike="noStrike">
                 <a:latin typeface="Times New Roman"/>
               </a:rPr>
-              <a:t> </a:t>
+              <a:t>&lt;date/time&gt;</a:t>
             </a:r>
             <a:endParaRPr b="0" lang="en-US" sz="1400" spc="-1" strike="noStrike">
               <a:latin typeface="Times New Roman"/>
@@ -8264,8 +8264,8 @@
         </p:nvSpPr>
         <p:spPr>
           <a:xfrm rot="2744400">
-            <a:off x="-280800" y="-25560"/>
-            <a:ext cx="704160" cy="703800"/>
+            <a:off x="-280080" y="-25560"/>
+            <a:ext cx="703800" cy="703440"/>
           </a:xfrm>
           <a:prstGeom prst="roundRect">
             <a:avLst>
@@ -8302,8 +8302,8 @@
         </p:nvSpPr>
         <p:spPr>
           <a:xfrm rot="2625600">
-            <a:off x="6024960" y="4332960"/>
-            <a:ext cx="468000" cy="468000"/>
+            <a:off x="6024960" y="4332600"/>
+            <a:ext cx="467640" cy="467640"/>
           </a:xfrm>
           <a:prstGeom prst="roundRect">
             <a:avLst>
@@ -8341,7 +8341,7 @@
         <p:spPr>
           <a:xfrm rot="18679200">
             <a:off x="7003440" y="948600"/>
-            <a:ext cx="4939560" cy="4665960"/>
+            <a:ext cx="4939200" cy="4665600"/>
           </a:xfrm>
           <a:prstGeom prst="roundRect">
             <a:avLst>
@@ -8379,7 +8379,7 @@
         <p:spPr>
           <a:xfrm>
             <a:off x="459720" y="4671360"/>
-            <a:ext cx="2995200" cy="266040"/>
+            <a:ext cx="2994840" cy="265680"/>
           </a:xfrm>
           <a:prstGeom prst="rect">
             <a:avLst/>
@@ -8444,8 +8444,8 @@
         </p:blipFill>
         <p:spPr>
           <a:xfrm>
-            <a:off x="2423160" y="4671720"/>
-            <a:ext cx="287640" cy="287640"/>
+            <a:off x="3035160" y="4743720"/>
+            <a:ext cx="287280" cy="287280"/>
           </a:xfrm>
           <a:prstGeom prst="rect">
             <a:avLst/>
@@ -8464,7 +8464,7 @@
         <p:spPr>
           <a:xfrm>
             <a:off x="484920" y="1681560"/>
-            <a:ext cx="5480640" cy="1882080"/>
+            <a:ext cx="5480280" cy="1881720"/>
           </a:xfrm>
           <a:prstGeom prst="rect">
             <a:avLst/>
@@ -8552,8 +8552,8 @@
         </p:nvSpPr>
         <p:spPr>
           <a:xfrm rot="2744400">
-            <a:off x="-280800" y="-25560"/>
-            <a:ext cx="704160" cy="703800"/>
+            <a:off x="-280080" y="-25560"/>
+            <a:ext cx="703800" cy="703440"/>
           </a:xfrm>
           <a:prstGeom prst="roundRect">
             <a:avLst>
@@ -8590,8 +8590,8 @@
         </p:nvSpPr>
         <p:spPr>
           <a:xfrm rot="2332200">
-            <a:off x="6009480" y="-319680"/>
-            <a:ext cx="4855320" cy="7726320"/>
+            <a:off x="6009120" y="-319680"/>
+            <a:ext cx="4854960" cy="7725960"/>
           </a:xfrm>
           <a:prstGeom prst="roundRect">
             <a:avLst>
@@ -8629,9 +8629,9 @@
         <p:grpSpPr>
           <a:xfrm>
             <a:off x="4571640" y="828000"/>
-            <a:ext cx="4467960" cy="3564000"/>
+            <a:ext cx="4467600" cy="3563640"/>
             <a:chOff x="4571640" y="828000"/>
-            <a:chExt cx="4467960" cy="3564000"/>
+            <a:chExt cx="4467600" cy="3563640"/>
           </a:xfrm>
         </p:grpSpPr>
         <p:pic>
@@ -8647,7 +8647,7 @@
           <p:spPr>
             <a:xfrm>
               <a:off x="4571640" y="828000"/>
-              <a:ext cx="4467960" cy="3564000"/>
+              <a:ext cx="4467600" cy="3563640"/>
             </a:xfrm>
             <a:prstGeom prst="rect">
               <a:avLst/>
@@ -8665,8 +8665,8 @@
           </p:nvSpPr>
           <p:spPr>
             <a:xfrm rot="16200000">
-              <a:off x="5962680" y="1159200"/>
-              <a:ext cx="1737000" cy="2770920"/>
+              <a:off x="5962680" y="1159560"/>
+              <a:ext cx="1736640" cy="2770560"/>
             </a:xfrm>
             <a:prstGeom prst="roundRect">
               <a:avLst>
@@ -8733,7 +8733,7 @@
         <p:spPr>
           <a:xfrm>
             <a:off x="5446080" y="1672200"/>
-            <a:ext cx="2770560" cy="1737000"/>
+            <a:ext cx="2770200" cy="1736640"/>
           </a:xfrm>
           <a:prstGeom prst="rect">
             <a:avLst/>
@@ -8785,7 +8785,7 @@
         <p:spPr>
           <a:xfrm>
             <a:off x="586440" y="1246680"/>
-            <a:ext cx="4003920" cy="3599640"/>
+            <a:ext cx="4003560" cy="3599280"/>
           </a:xfrm>
           <a:prstGeom prst="rect">
             <a:avLst/>
@@ -8837,7 +8837,7 @@
         <p:spPr>
           <a:xfrm>
             <a:off x="586440" y="453960"/>
-            <a:ext cx="4763880" cy="855000"/>
+            <a:ext cx="4763520" cy="854640"/>
           </a:xfrm>
           <a:prstGeom prst="rect">
             <a:avLst/>
@@ -8926,7 +8926,7 @@
         <p:spPr>
           <a:xfrm rot="2745600">
             <a:off x="8349840" y="-668160"/>
-            <a:ext cx="1497960" cy="1497960"/>
+            <a:ext cx="1497600" cy="1497600"/>
           </a:xfrm>
           <a:prstGeom prst="roundRect">
             <a:avLst>
@@ -8964,7 +8964,7 @@
         <p:spPr>
           <a:xfrm rot="2745600">
             <a:off x="7634160" y="-322200"/>
-            <a:ext cx="806760" cy="807120"/>
+            <a:ext cx="806400" cy="806760"/>
           </a:xfrm>
           <a:prstGeom prst="roundRect">
             <a:avLst>
@@ -9003,7 +9003,7 @@
         <p:spPr>
           <a:xfrm>
             <a:off x="586440" y="899640"/>
-            <a:ext cx="7931520" cy="1536840"/>
+            <a:ext cx="7931160" cy="1536480"/>
           </a:xfrm>
           <a:prstGeom prst="rect">
             <a:avLst/>
@@ -9055,7 +9055,7 @@
         <p:spPr>
           <a:xfrm>
             <a:off x="608040" y="2545560"/>
-            <a:ext cx="3711960" cy="2255400"/>
+            <a:ext cx="3711600" cy="2255040"/>
           </a:xfrm>
           <a:prstGeom prst="rect">
             <a:avLst/>
@@ -9107,7 +9107,7 @@
         <p:spPr>
           <a:xfrm>
             <a:off x="4806360" y="2545560"/>
-            <a:ext cx="3711960" cy="2255400"/>
+            <a:ext cx="3711600" cy="2255040"/>
           </a:xfrm>
           <a:prstGeom prst="rect">
             <a:avLst/>
@@ -9159,7 +9159,7 @@
         <p:spPr>
           <a:xfrm>
             <a:off x="583200" y="450720"/>
-            <a:ext cx="7197840" cy="511920"/>
+            <a:ext cx="7197480" cy="511560"/>
           </a:xfrm>
           <a:prstGeom prst="rect">
             <a:avLst/>
@@ -9241,7 +9241,7 @@
         <p:spPr>
           <a:xfrm>
             <a:off x="586440" y="1246680"/>
-            <a:ext cx="4003920" cy="3599640"/>
+            <a:ext cx="4003560" cy="3599280"/>
           </a:xfrm>
           <a:prstGeom prst="rect">
             <a:avLst/>
@@ -9293,7 +9293,7 @@
         <p:spPr>
           <a:xfrm>
             <a:off x="559800" y="446040"/>
-            <a:ext cx="4283280" cy="683280"/>
+            <a:ext cx="4282920" cy="682920"/>
           </a:xfrm>
           <a:prstGeom prst="rect">
             <a:avLst/>
@@ -9345,7 +9345,7 @@
         <p:spPr>
           <a:xfrm>
             <a:off x="5097600" y="360"/>
-            <a:ext cx="4379400" cy="5143680"/>
+            <a:ext cx="4379040" cy="5143320"/>
           </a:xfrm>
           <a:prstGeom prst="roundRect">
             <a:avLst>
@@ -9410,8 +9410,8 @@
         </p:nvSpPr>
         <p:spPr>
           <a:xfrm rot="2744400">
-            <a:off x="-280800" y="-25560"/>
-            <a:ext cx="704160" cy="703800"/>
+            <a:off x="-280080" y="-25560"/>
+            <a:ext cx="703800" cy="703440"/>
           </a:xfrm>
           <a:prstGeom prst="roundRect">
             <a:avLst>
@@ -9448,8 +9448,8 @@
         </p:nvSpPr>
         <p:spPr>
           <a:xfrm rot="2625600">
-            <a:off x="4861080" y="4146840"/>
-            <a:ext cx="468000" cy="468000"/>
+            <a:off x="4861080" y="4146480"/>
+            <a:ext cx="467640" cy="467640"/>
           </a:xfrm>
           <a:prstGeom prst="roundRect">
             <a:avLst>
@@ -9523,8 +9523,8 @@
         </p:nvSpPr>
         <p:spPr>
           <a:xfrm rot="2744400">
-            <a:off x="-349920" y="4539960"/>
-            <a:ext cx="704160" cy="703800"/>
+            <a:off x="-349200" y="4539600"/>
+            <a:ext cx="703800" cy="703440"/>
           </a:xfrm>
           <a:prstGeom prst="roundRect">
             <a:avLst>
@@ -9561,8 +9561,8 @@
         </p:nvSpPr>
         <p:spPr>
           <a:xfrm rot="19228200">
-            <a:off x="5846040" y="-2266200"/>
-            <a:ext cx="4854960" cy="7725960"/>
+            <a:off x="5845680" y="-2265840"/>
+            <a:ext cx="4854600" cy="7725600"/>
           </a:xfrm>
           <a:prstGeom prst="roundRect">
             <a:avLst>
@@ -9600,9 +9600,9 @@
         <p:grpSpPr>
           <a:xfrm>
             <a:off x="4571640" y="828000"/>
-            <a:ext cx="4467960" cy="3564000"/>
+            <a:ext cx="4467600" cy="3563640"/>
             <a:chOff x="4571640" y="828000"/>
-            <a:chExt cx="4467960" cy="3564000"/>
+            <a:chExt cx="4467600" cy="3563640"/>
           </a:xfrm>
         </p:grpSpPr>
         <p:pic>
@@ -9618,7 +9618,7 @@
           <p:spPr>
             <a:xfrm>
               <a:off x="4571640" y="828000"/>
-              <a:ext cx="4467960" cy="3564000"/>
+              <a:ext cx="4467600" cy="3563640"/>
             </a:xfrm>
             <a:prstGeom prst="rect">
               <a:avLst/>
@@ -9636,8 +9636,8 @@
           </p:nvSpPr>
           <p:spPr>
             <a:xfrm rot="16200000">
-              <a:off x="5962680" y="1159200"/>
-              <a:ext cx="1737000" cy="2770920"/>
+              <a:off x="5962680" y="1159560"/>
+              <a:ext cx="1736640" cy="2770560"/>
             </a:xfrm>
             <a:prstGeom prst="roundRect">
               <a:avLst>
@@ -9704,7 +9704,7 @@
         <p:spPr>
           <a:xfrm>
             <a:off x="586440" y="1246680"/>
-            <a:ext cx="4003920" cy="3599640"/>
+            <a:ext cx="4003560" cy="3599280"/>
           </a:xfrm>
           <a:prstGeom prst="rect">
             <a:avLst/>
@@ -9756,7 +9756,7 @@
         <p:spPr>
           <a:xfrm>
             <a:off x="5446080" y="1672200"/>
-            <a:ext cx="2779920" cy="1737000"/>
+            <a:ext cx="2779560" cy="1736640"/>
           </a:xfrm>
           <a:prstGeom prst="rect">
             <a:avLst/>
@@ -9808,7 +9808,7 @@
         <p:spPr>
           <a:xfrm>
             <a:off x="586440" y="453960"/>
-            <a:ext cx="3696480" cy="855000"/>
+            <a:ext cx="3696120" cy="854640"/>
           </a:xfrm>
           <a:prstGeom prst="rect">
             <a:avLst/>
@@ -9897,7 +9897,7 @@
         <p:spPr>
           <a:xfrm>
             <a:off x="4222080" y="1246680"/>
-            <a:ext cx="4114800" cy="3599640"/>
+            <a:ext cx="4114440" cy="3599280"/>
           </a:xfrm>
           <a:prstGeom prst="rect">
             <a:avLst/>
@@ -9948,8 +9948,8 @@
         </p:nvSpPr>
         <p:spPr>
           <a:xfrm rot="16200000">
-            <a:off x="-2181600" y="1733760"/>
-            <a:ext cx="5143680" cy="1683720"/>
+            <a:off x="-2181600" y="1734120"/>
+            <a:ext cx="5143320" cy="1683360"/>
           </a:xfrm>
           <a:prstGeom prst="roundRect">
             <a:avLst>
@@ -9987,7 +9987,7 @@
         <p:spPr>
           <a:xfrm rot="2745000">
             <a:off x="8575200" y="103320"/>
-            <a:ext cx="1132200" cy="1131840"/>
+            <a:ext cx="1131840" cy="1131480"/>
           </a:xfrm>
           <a:prstGeom prst="roundRect">
             <a:avLst>
@@ -10024,8 +10024,8 @@
         </p:nvSpPr>
         <p:spPr>
           <a:xfrm rot="16200000">
-            <a:off x="614880" y="919080"/>
-            <a:ext cx="3231720" cy="3313440"/>
+            <a:off x="614880" y="919440"/>
+            <a:ext cx="3231360" cy="3313080"/>
           </a:xfrm>
           <a:prstGeom prst="roundRect">
             <a:avLst>
@@ -10091,7 +10091,7 @@
         <p:spPr>
           <a:xfrm>
             <a:off x="4214160" y="456120"/>
-            <a:ext cx="4111560" cy="855000"/>
+            <a:ext cx="4111200" cy="854640"/>
           </a:xfrm>
           <a:prstGeom prst="rect">
             <a:avLst/>
@@ -10179,8 +10179,8 @@
         </p:nvSpPr>
         <p:spPr>
           <a:xfrm rot="2744400">
-            <a:off x="-280800" y="-25560"/>
-            <a:ext cx="704160" cy="703800"/>
+            <a:off x="-280080" y="-25560"/>
+            <a:ext cx="703800" cy="703440"/>
           </a:xfrm>
           <a:prstGeom prst="roundRect">
             <a:avLst>
@@ -10217,8 +10217,8 @@
         </p:nvSpPr>
         <p:spPr>
           <a:xfrm rot="2332200">
-            <a:off x="6009480" y="-319680"/>
-            <a:ext cx="4855320" cy="7726320"/>
+            <a:off x="6009120" y="-319680"/>
+            <a:ext cx="4854960" cy="7725960"/>
           </a:xfrm>
           <a:prstGeom prst="roundRect">
             <a:avLst>
@@ -10256,9 +10256,9 @@
         <p:grpSpPr>
           <a:xfrm>
             <a:off x="4571640" y="828000"/>
-            <a:ext cx="4467960" cy="3564000"/>
+            <a:ext cx="4467600" cy="3563640"/>
             <a:chOff x="4571640" y="828000"/>
-            <a:chExt cx="4467960" cy="3564000"/>
+            <a:chExt cx="4467600" cy="3563640"/>
           </a:xfrm>
         </p:grpSpPr>
         <p:pic>
@@ -10274,7 +10274,7 @@
           <p:spPr>
             <a:xfrm>
               <a:off x="4571640" y="828000"/>
-              <a:ext cx="4467960" cy="3564000"/>
+              <a:ext cx="4467600" cy="3563640"/>
             </a:xfrm>
             <a:prstGeom prst="rect">
               <a:avLst/>
@@ -10292,8 +10292,8 @@
           </p:nvSpPr>
           <p:spPr>
             <a:xfrm rot="16200000">
-              <a:off x="5962680" y="1159200"/>
-              <a:ext cx="1737000" cy="2770920"/>
+              <a:off x="5962680" y="1159560"/>
+              <a:ext cx="1736640" cy="2770560"/>
             </a:xfrm>
             <a:prstGeom prst="roundRect">
               <a:avLst>
@@ -10360,7 +10360,7 @@
         <p:spPr>
           <a:xfrm>
             <a:off x="5446080" y="1672200"/>
-            <a:ext cx="2770560" cy="1737000"/>
+            <a:ext cx="2770200" cy="1736640"/>
           </a:xfrm>
           <a:prstGeom prst="rect">
             <a:avLst/>
@@ -10412,7 +10412,7 @@
         <p:spPr>
           <a:xfrm>
             <a:off x="586440" y="1246680"/>
-            <a:ext cx="4003920" cy="3599640"/>
+            <a:ext cx="4003560" cy="3599280"/>
           </a:xfrm>
           <a:prstGeom prst="rect">
             <a:avLst/>
@@ -10464,7 +10464,7 @@
         <p:spPr>
           <a:xfrm>
             <a:off x="586440" y="453960"/>
-            <a:ext cx="4763880" cy="855000"/>
+            <a:ext cx="4763520" cy="854640"/>
           </a:xfrm>
           <a:prstGeom prst="rect">
             <a:avLst/>
@@ -10553,7 +10553,7 @@
         <p:spPr>
           <a:xfrm rot="2745600">
             <a:off x="8349840" y="-668160"/>
-            <a:ext cx="1497960" cy="1497960"/>
+            <a:ext cx="1497600" cy="1497600"/>
           </a:xfrm>
           <a:prstGeom prst="roundRect">
             <a:avLst>
@@ -10591,7 +10591,7 @@
         <p:spPr>
           <a:xfrm rot="2745600">
             <a:off x="7634160" y="-322200"/>
-            <a:ext cx="806760" cy="807120"/>
+            <a:ext cx="806400" cy="806760"/>
           </a:xfrm>
           <a:prstGeom prst="roundRect">
             <a:avLst>
@@ -10630,7 +10630,7 @@
         <p:spPr>
           <a:xfrm>
             <a:off x="586440" y="899640"/>
-            <a:ext cx="7931520" cy="1536840"/>
+            <a:ext cx="7931160" cy="1536480"/>
           </a:xfrm>
           <a:prstGeom prst="rect">
             <a:avLst/>
@@ -10682,7 +10682,7 @@
         <p:spPr>
           <a:xfrm>
             <a:off x="608040" y="2545560"/>
-            <a:ext cx="3711960" cy="2255400"/>
+            <a:ext cx="3711600" cy="2255040"/>
           </a:xfrm>
           <a:prstGeom prst="rect">
             <a:avLst/>
@@ -10734,7 +10734,7 @@
         <p:spPr>
           <a:xfrm>
             <a:off x="4806360" y="2545560"/>
-            <a:ext cx="3711960" cy="2255400"/>
+            <a:ext cx="3711600" cy="2255040"/>
           </a:xfrm>
           <a:prstGeom prst="rect">
             <a:avLst/>
@@ -10786,7 +10786,7 @@
         <p:spPr>
           <a:xfrm>
             <a:off x="583200" y="450720"/>
-            <a:ext cx="7197840" cy="511920"/>
+            <a:ext cx="7197480" cy="511560"/>
           </a:xfrm>
           <a:prstGeom prst="rect">
             <a:avLst/>
@@ -10868,7 +10868,7 @@
         <p:spPr>
           <a:xfrm>
             <a:off x="586440" y="1246680"/>
-            <a:ext cx="4003920" cy="3599640"/>
+            <a:ext cx="4003560" cy="3599280"/>
           </a:xfrm>
           <a:prstGeom prst="rect">
             <a:avLst/>
@@ -10920,7 +10920,7 @@
         <p:spPr>
           <a:xfrm>
             <a:off x="559800" y="446040"/>
-            <a:ext cx="4283280" cy="683280"/>
+            <a:ext cx="4282920" cy="682920"/>
           </a:xfrm>
           <a:prstGeom prst="rect">
             <a:avLst/>
@@ -10972,7 +10972,7 @@
         <p:spPr>
           <a:xfrm>
             <a:off x="5097600" y="360"/>
-            <a:ext cx="4379400" cy="5143680"/>
+            <a:ext cx="4379040" cy="5143320"/>
           </a:xfrm>
           <a:prstGeom prst="roundRect">
             <a:avLst>
@@ -11037,8 +11037,8 @@
         </p:nvSpPr>
         <p:spPr>
           <a:xfrm rot="2744400">
-            <a:off x="-280800" y="-25560"/>
-            <a:ext cx="704160" cy="703800"/>
+            <a:off x="-280080" y="-25560"/>
+            <a:ext cx="703800" cy="703440"/>
           </a:xfrm>
           <a:prstGeom prst="roundRect">
             <a:avLst>
@@ -11075,8 +11075,8 @@
         </p:nvSpPr>
         <p:spPr>
           <a:xfrm rot="2625600">
-            <a:off x="4861080" y="4146840"/>
-            <a:ext cx="468000" cy="468000"/>
+            <a:off x="4861080" y="4146480"/>
+            <a:ext cx="467640" cy="467640"/>
           </a:xfrm>
           <a:prstGeom prst="roundRect">
             <a:avLst>
@@ -11150,8 +11150,8 @@
         </p:nvSpPr>
         <p:spPr>
           <a:xfrm rot="2744400">
-            <a:off x="-349920" y="4539960"/>
-            <a:ext cx="704160" cy="703800"/>
+            <a:off x="-349200" y="4539600"/>
+            <a:ext cx="703800" cy="703440"/>
           </a:xfrm>
           <a:prstGeom prst="roundRect">
             <a:avLst>
@@ -11188,8 +11188,8 @@
         </p:nvSpPr>
         <p:spPr>
           <a:xfrm rot="19228200">
-            <a:off x="5846040" y="-2266200"/>
-            <a:ext cx="4854960" cy="7725960"/>
+            <a:off x="5845680" y="-2265840"/>
+            <a:ext cx="4854600" cy="7725600"/>
           </a:xfrm>
           <a:prstGeom prst="roundRect">
             <a:avLst>
@@ -11227,9 +11227,9 @@
         <p:grpSpPr>
           <a:xfrm>
             <a:off x="4571640" y="828000"/>
-            <a:ext cx="4467960" cy="3564000"/>
+            <a:ext cx="4467600" cy="3563640"/>
             <a:chOff x="4571640" y="828000"/>
-            <a:chExt cx="4467960" cy="3564000"/>
+            <a:chExt cx="4467600" cy="3563640"/>
           </a:xfrm>
         </p:grpSpPr>
         <p:pic>
@@ -11245,7 +11245,7 @@
           <p:spPr>
             <a:xfrm>
               <a:off x="4571640" y="828000"/>
-              <a:ext cx="4467960" cy="3564000"/>
+              <a:ext cx="4467600" cy="3563640"/>
             </a:xfrm>
             <a:prstGeom prst="rect">
               <a:avLst/>
@@ -11263,8 +11263,8 @@
           </p:nvSpPr>
           <p:spPr>
             <a:xfrm rot="16200000">
-              <a:off x="5962680" y="1159200"/>
-              <a:ext cx="1737000" cy="2770920"/>
+              <a:off x="5962680" y="1159560"/>
+              <a:ext cx="1736640" cy="2770560"/>
             </a:xfrm>
             <a:prstGeom prst="roundRect">
               <a:avLst>
@@ -11331,7 +11331,7 @@
         <p:spPr>
           <a:xfrm>
             <a:off x="586440" y="1246680"/>
-            <a:ext cx="4003920" cy="3599640"/>
+            <a:ext cx="4003560" cy="3599280"/>
           </a:xfrm>
           <a:prstGeom prst="rect">
             <a:avLst/>
@@ -11383,7 +11383,7 @@
         <p:spPr>
           <a:xfrm>
             <a:off x="5446080" y="1672200"/>
-            <a:ext cx="2779920" cy="1737000"/>
+            <a:ext cx="2779560" cy="1736640"/>
           </a:xfrm>
           <a:prstGeom prst="rect">
             <a:avLst/>
@@ -11435,7 +11435,7 @@
         <p:spPr>
           <a:xfrm>
             <a:off x="586440" y="453960"/>
-            <a:ext cx="3696480" cy="855000"/>
+            <a:ext cx="3696120" cy="854640"/>
           </a:xfrm>
           <a:prstGeom prst="rect">
             <a:avLst/>
@@ -11524,7 +11524,7 @@
         <p:spPr>
           <a:xfrm>
             <a:off x="4222080" y="1246680"/>
-            <a:ext cx="4114800" cy="3599640"/>
+            <a:ext cx="4114440" cy="3599280"/>
           </a:xfrm>
           <a:prstGeom prst="rect">
             <a:avLst/>
@@ -11575,8 +11575,8 @@
         </p:nvSpPr>
         <p:spPr>
           <a:xfrm rot="16200000">
-            <a:off x="-2181600" y="1733760"/>
-            <a:ext cx="5143680" cy="1683720"/>
+            <a:off x="-2181600" y="1734120"/>
+            <a:ext cx="5143320" cy="1683360"/>
           </a:xfrm>
           <a:prstGeom prst="roundRect">
             <a:avLst>
@@ -11614,7 +11614,7 @@
         <p:spPr>
           <a:xfrm rot="2745000">
             <a:off x="8575200" y="103320"/>
-            <a:ext cx="1132200" cy="1131840"/>
+            <a:ext cx="1131840" cy="1131480"/>
           </a:xfrm>
           <a:prstGeom prst="roundRect">
             <a:avLst>
@@ -11651,8 +11651,8 @@
         </p:nvSpPr>
         <p:spPr>
           <a:xfrm rot="16200000">
-            <a:off x="614880" y="919080"/>
-            <a:ext cx="3231720" cy="3313440"/>
+            <a:off x="614880" y="919440"/>
+            <a:ext cx="3231360" cy="3313080"/>
           </a:xfrm>
           <a:prstGeom prst="roundRect">
             <a:avLst>
@@ -11718,7 +11718,7 @@
         <p:spPr>
           <a:xfrm>
             <a:off x="4214160" y="456120"/>
-            <a:ext cx="4111560" cy="855000"/>
+            <a:ext cx="4111200" cy="854640"/>
           </a:xfrm>
           <a:prstGeom prst="rect">
             <a:avLst/>
@@ -11800,7 +11800,7 @@
         <p:spPr>
           <a:xfrm>
             <a:off x="586440" y="1246680"/>
-            <a:ext cx="4003920" cy="3599640"/>
+            <a:ext cx="4003560" cy="3599280"/>
           </a:xfrm>
           <a:prstGeom prst="rect">
             <a:avLst/>
@@ -11852,7 +11852,7 @@
         <p:spPr>
           <a:xfrm>
             <a:off x="559800" y="446040"/>
-            <a:ext cx="4283280" cy="683280"/>
+            <a:ext cx="4282920" cy="682920"/>
           </a:xfrm>
           <a:prstGeom prst="rect">
             <a:avLst/>
@@ -11904,7 +11904,7 @@
         <p:spPr>
           <a:xfrm>
             <a:off x="5097600" y="360"/>
-            <a:ext cx="4379400" cy="5143680"/>
+            <a:ext cx="4379040" cy="5143320"/>
           </a:xfrm>
           <a:prstGeom prst="roundRect">
             <a:avLst>
@@ -11969,8 +11969,8 @@
         </p:nvSpPr>
         <p:spPr>
           <a:xfrm rot="2744400">
-            <a:off x="-280800" y="-25560"/>
-            <a:ext cx="704160" cy="703800"/>
+            <a:off x="-280080" y="-25560"/>
+            <a:ext cx="703800" cy="703440"/>
           </a:xfrm>
           <a:prstGeom prst="roundRect">
             <a:avLst>
@@ -12007,8 +12007,8 @@
         </p:nvSpPr>
         <p:spPr>
           <a:xfrm rot="2625600">
-            <a:off x="4861080" y="4146840"/>
-            <a:ext cx="468000" cy="468000"/>
+            <a:off x="4861080" y="4146480"/>
+            <a:ext cx="467640" cy="467640"/>
           </a:xfrm>
           <a:prstGeom prst="roundRect">
             <a:avLst>
@@ -12082,8 +12082,8 @@
         </p:nvSpPr>
         <p:spPr>
           <a:xfrm rot="2744400">
-            <a:off x="-280800" y="-25560"/>
-            <a:ext cx="704160" cy="703800"/>
+            <a:off x="-280080" y="-25560"/>
+            <a:ext cx="703800" cy="703440"/>
           </a:xfrm>
           <a:prstGeom prst="roundRect">
             <a:avLst>
@@ -12120,8 +12120,8 @@
         </p:nvSpPr>
         <p:spPr>
           <a:xfrm rot="2332200">
-            <a:off x="6009480" y="-319680"/>
-            <a:ext cx="4855320" cy="7726320"/>
+            <a:off x="6009120" y="-319680"/>
+            <a:ext cx="4854960" cy="7725960"/>
           </a:xfrm>
           <a:prstGeom prst="roundRect">
             <a:avLst>
@@ -12159,9 +12159,9 @@
         <p:grpSpPr>
           <a:xfrm>
             <a:off x="4571640" y="828000"/>
-            <a:ext cx="4467960" cy="3564000"/>
+            <a:ext cx="4467600" cy="3563640"/>
             <a:chOff x="4571640" y="828000"/>
-            <a:chExt cx="4467960" cy="3564000"/>
+            <a:chExt cx="4467600" cy="3563640"/>
           </a:xfrm>
         </p:grpSpPr>
         <p:pic>
@@ -12177,7 +12177,7 @@
           <p:spPr>
             <a:xfrm>
               <a:off x="4571640" y="828000"/>
-              <a:ext cx="4467960" cy="3564000"/>
+              <a:ext cx="4467600" cy="3563640"/>
             </a:xfrm>
             <a:prstGeom prst="rect">
               <a:avLst/>
@@ -12195,8 +12195,8 @@
           </p:nvSpPr>
           <p:spPr>
             <a:xfrm rot="16200000">
-              <a:off x="5962680" y="1159200"/>
-              <a:ext cx="1737000" cy="2770920"/>
+              <a:off x="5962680" y="1159560"/>
+              <a:ext cx="1736640" cy="2770560"/>
             </a:xfrm>
             <a:prstGeom prst="roundRect">
               <a:avLst>
@@ -12263,7 +12263,7 @@
         <p:spPr>
           <a:xfrm>
             <a:off x="5446080" y="1672200"/>
-            <a:ext cx="2770560" cy="1737000"/>
+            <a:ext cx="2770200" cy="1736640"/>
           </a:xfrm>
           <a:prstGeom prst="rect">
             <a:avLst/>
@@ -12315,7 +12315,7 @@
         <p:spPr>
           <a:xfrm>
             <a:off x="586440" y="1246680"/>
-            <a:ext cx="4003920" cy="3599640"/>
+            <a:ext cx="4003560" cy="3599280"/>
           </a:xfrm>
           <a:prstGeom prst="rect">
             <a:avLst/>
@@ -12367,7 +12367,7 @@
         <p:spPr>
           <a:xfrm>
             <a:off x="586440" y="453960"/>
-            <a:ext cx="4763880" cy="855000"/>
+            <a:ext cx="4763520" cy="854640"/>
           </a:xfrm>
           <a:prstGeom prst="rect">
             <a:avLst/>
@@ -12456,7 +12456,7 @@
         <p:spPr>
           <a:xfrm rot="2745600">
             <a:off x="8349840" y="-668160"/>
-            <a:ext cx="1497960" cy="1497960"/>
+            <a:ext cx="1497600" cy="1497600"/>
           </a:xfrm>
           <a:prstGeom prst="roundRect">
             <a:avLst>
@@ -12494,7 +12494,7 @@
         <p:spPr>
           <a:xfrm rot="2745600">
             <a:off x="7634160" y="-322200"/>
-            <a:ext cx="806760" cy="807120"/>
+            <a:ext cx="806400" cy="806760"/>
           </a:xfrm>
           <a:prstGeom prst="roundRect">
             <a:avLst>
@@ -12533,7 +12533,7 @@
         <p:spPr>
           <a:xfrm>
             <a:off x="586440" y="899640"/>
-            <a:ext cx="7931520" cy="1536840"/>
+            <a:ext cx="7931160" cy="1536480"/>
           </a:xfrm>
           <a:prstGeom prst="rect">
             <a:avLst/>
@@ -12585,7 +12585,7 @@
         <p:spPr>
           <a:xfrm>
             <a:off x="608040" y="2545560"/>
-            <a:ext cx="3711960" cy="2255400"/>
+            <a:ext cx="3711600" cy="2255040"/>
           </a:xfrm>
           <a:prstGeom prst="rect">
             <a:avLst/>
@@ -12637,7 +12637,7 @@
         <p:spPr>
           <a:xfrm>
             <a:off x="4806360" y="2545560"/>
-            <a:ext cx="3711960" cy="2255400"/>
+            <a:ext cx="3711600" cy="2255040"/>
           </a:xfrm>
           <a:prstGeom prst="rect">
             <a:avLst/>
@@ -12689,7 +12689,7 @@
         <p:spPr>
           <a:xfrm>
             <a:off x="583200" y="450720"/>
-            <a:ext cx="7197840" cy="511920"/>
+            <a:ext cx="7197480" cy="511560"/>
           </a:xfrm>
           <a:prstGeom prst="rect">
             <a:avLst/>
@@ -12771,7 +12771,7 @@
         <p:spPr>
           <a:xfrm>
             <a:off x="586440" y="1246680"/>
-            <a:ext cx="4003920" cy="3599640"/>
+            <a:ext cx="4003560" cy="3599280"/>
           </a:xfrm>
           <a:prstGeom prst="rect">
             <a:avLst/>
@@ -12823,7 +12823,7 @@
         <p:spPr>
           <a:xfrm>
             <a:off x="559800" y="446040"/>
-            <a:ext cx="4283280" cy="683280"/>
+            <a:ext cx="4282920" cy="682920"/>
           </a:xfrm>
           <a:prstGeom prst="rect">
             <a:avLst/>
@@ -12875,7 +12875,7 @@
         <p:spPr>
           <a:xfrm>
             <a:off x="5097600" y="360"/>
-            <a:ext cx="4379400" cy="5143680"/>
+            <a:ext cx="4379040" cy="5143320"/>
           </a:xfrm>
           <a:prstGeom prst="roundRect">
             <a:avLst>
@@ -12940,8 +12940,8 @@
         </p:nvSpPr>
         <p:spPr>
           <a:xfrm rot="2744400">
-            <a:off x="-280800" y="-25560"/>
-            <a:ext cx="704160" cy="703800"/>
+            <a:off x="-280080" y="-25560"/>
+            <a:ext cx="703800" cy="703440"/>
           </a:xfrm>
           <a:prstGeom prst="roundRect">
             <a:avLst>
@@ -12978,8 +12978,8 @@
         </p:nvSpPr>
         <p:spPr>
           <a:xfrm rot="2625600">
-            <a:off x="4861080" y="4146840"/>
-            <a:ext cx="468000" cy="468000"/>
+            <a:off x="4861080" y="4146480"/>
+            <a:ext cx="467640" cy="467640"/>
           </a:xfrm>
           <a:prstGeom prst="roundRect">
             <a:avLst>
@@ -13053,8 +13053,8 @@
         </p:nvSpPr>
         <p:spPr>
           <a:xfrm rot="2744400">
-            <a:off x="-349920" y="4539960"/>
-            <a:ext cx="704160" cy="703800"/>
+            <a:off x="-349200" y="4539600"/>
+            <a:ext cx="703800" cy="703440"/>
           </a:xfrm>
           <a:prstGeom prst="roundRect">
             <a:avLst>
@@ -13091,8 +13091,8 @@
         </p:nvSpPr>
         <p:spPr>
           <a:xfrm rot="19228200">
-            <a:off x="5846040" y="-2266200"/>
-            <a:ext cx="4854960" cy="7725960"/>
+            <a:off x="5845680" y="-2265840"/>
+            <a:ext cx="4854600" cy="7725600"/>
           </a:xfrm>
           <a:prstGeom prst="roundRect">
             <a:avLst>
@@ -13130,9 +13130,9 @@
         <p:grpSpPr>
           <a:xfrm>
             <a:off x="4571640" y="828000"/>
-            <a:ext cx="4467960" cy="3564000"/>
+            <a:ext cx="4467600" cy="3563640"/>
             <a:chOff x="4571640" y="828000"/>
-            <a:chExt cx="4467960" cy="3564000"/>
+            <a:chExt cx="4467600" cy="3563640"/>
           </a:xfrm>
         </p:grpSpPr>
         <p:pic>
@@ -13148,7 +13148,7 @@
           <p:spPr>
             <a:xfrm>
               <a:off x="4571640" y="828000"/>
-              <a:ext cx="4467960" cy="3564000"/>
+              <a:ext cx="4467600" cy="3563640"/>
             </a:xfrm>
             <a:prstGeom prst="rect">
               <a:avLst/>
@@ -13166,8 +13166,8 @@
           </p:nvSpPr>
           <p:spPr>
             <a:xfrm rot="16200000">
-              <a:off x="5962680" y="1159200"/>
-              <a:ext cx="1737000" cy="2770920"/>
+              <a:off x="5962680" y="1159560"/>
+              <a:ext cx="1736640" cy="2770560"/>
             </a:xfrm>
             <a:prstGeom prst="roundRect">
               <a:avLst>
@@ -13234,7 +13234,7 @@
         <p:spPr>
           <a:xfrm>
             <a:off x="586440" y="1246680"/>
-            <a:ext cx="4003920" cy="3599640"/>
+            <a:ext cx="4003560" cy="3599280"/>
           </a:xfrm>
           <a:prstGeom prst="rect">
             <a:avLst/>
@@ -13286,7 +13286,7 @@
         <p:spPr>
           <a:xfrm>
             <a:off x="5446080" y="1672200"/>
-            <a:ext cx="2779920" cy="1737000"/>
+            <a:ext cx="2779560" cy="1736640"/>
           </a:xfrm>
           <a:prstGeom prst="rect">
             <a:avLst/>
@@ -13338,7 +13338,7 @@
         <p:spPr>
           <a:xfrm>
             <a:off x="586440" y="453960"/>
-            <a:ext cx="3696480" cy="855000"/>
+            <a:ext cx="3696120" cy="854640"/>
           </a:xfrm>
           <a:prstGeom prst="rect">
             <a:avLst/>
@@ -13427,7 +13427,7 @@
         <p:spPr>
           <a:xfrm>
             <a:off x="4222080" y="1246680"/>
-            <a:ext cx="4114800" cy="3599640"/>
+            <a:ext cx="4114440" cy="3599280"/>
           </a:xfrm>
           <a:prstGeom prst="rect">
             <a:avLst/>
@@ -13478,8 +13478,8 @@
         </p:nvSpPr>
         <p:spPr>
           <a:xfrm rot="16200000">
-            <a:off x="-2181600" y="1733760"/>
-            <a:ext cx="5143680" cy="1683720"/>
+            <a:off x="-2181600" y="1734120"/>
+            <a:ext cx="5143320" cy="1683360"/>
           </a:xfrm>
           <a:prstGeom prst="roundRect">
             <a:avLst>
@@ -13517,7 +13517,7 @@
         <p:spPr>
           <a:xfrm rot="2745000">
             <a:off x="8575200" y="103320"/>
-            <a:ext cx="1132200" cy="1131840"/>
+            <a:ext cx="1131840" cy="1131480"/>
           </a:xfrm>
           <a:prstGeom prst="roundRect">
             <a:avLst>
@@ -13554,8 +13554,8 @@
         </p:nvSpPr>
         <p:spPr>
           <a:xfrm rot="16200000">
-            <a:off x="614880" y="919080"/>
-            <a:ext cx="3231720" cy="3313440"/>
+            <a:off x="614880" y="919440"/>
+            <a:ext cx="3231360" cy="3313080"/>
           </a:xfrm>
           <a:prstGeom prst="roundRect">
             <a:avLst>
@@ -13621,7 +13621,7 @@
         <p:spPr>
           <a:xfrm>
             <a:off x="4214160" y="456120"/>
-            <a:ext cx="4111560" cy="855000"/>
+            <a:ext cx="4111200" cy="854640"/>
           </a:xfrm>
           <a:prstGeom prst="rect">
             <a:avLst/>
@@ -13709,8 +13709,8 @@
         </p:nvSpPr>
         <p:spPr>
           <a:xfrm rot="2744400">
-            <a:off x="-280800" y="-25560"/>
-            <a:ext cx="704160" cy="703800"/>
+            <a:off x="-280080" y="-25560"/>
+            <a:ext cx="703800" cy="703440"/>
           </a:xfrm>
           <a:prstGeom prst="roundRect">
             <a:avLst>
@@ -13747,8 +13747,8 @@
         </p:nvSpPr>
         <p:spPr>
           <a:xfrm rot="2332200">
-            <a:off x="6009480" y="-319680"/>
-            <a:ext cx="4855320" cy="7726320"/>
+            <a:off x="6009120" y="-319680"/>
+            <a:ext cx="4854960" cy="7725960"/>
           </a:xfrm>
           <a:prstGeom prst="roundRect">
             <a:avLst>
@@ -13786,9 +13786,9 @@
         <p:grpSpPr>
           <a:xfrm>
             <a:off x="4571640" y="828000"/>
-            <a:ext cx="4467960" cy="3564000"/>
+            <a:ext cx="4467600" cy="3563640"/>
             <a:chOff x="4571640" y="828000"/>
-            <a:chExt cx="4467960" cy="3564000"/>
+            <a:chExt cx="4467600" cy="3563640"/>
           </a:xfrm>
         </p:grpSpPr>
         <p:pic>
@@ -13804,7 +13804,7 @@
           <p:spPr>
             <a:xfrm>
               <a:off x="4571640" y="828000"/>
-              <a:ext cx="4467960" cy="3564000"/>
+              <a:ext cx="4467600" cy="3563640"/>
             </a:xfrm>
             <a:prstGeom prst="rect">
               <a:avLst/>
@@ -13822,8 +13822,8 @@
           </p:nvSpPr>
           <p:spPr>
             <a:xfrm rot="16200000">
-              <a:off x="5962680" y="1159200"/>
-              <a:ext cx="1737000" cy="2770920"/>
+              <a:off x="5962680" y="1159560"/>
+              <a:ext cx="1736640" cy="2770560"/>
             </a:xfrm>
             <a:prstGeom prst="roundRect">
               <a:avLst>
@@ -13890,7 +13890,7 @@
         <p:spPr>
           <a:xfrm>
             <a:off x="5446080" y="1672200"/>
-            <a:ext cx="2770560" cy="1737000"/>
+            <a:ext cx="2770200" cy="1736640"/>
           </a:xfrm>
           <a:prstGeom prst="rect">
             <a:avLst/>
@@ -13942,7 +13942,7 @@
         <p:spPr>
           <a:xfrm>
             <a:off x="586440" y="1246680"/>
-            <a:ext cx="4003920" cy="3599640"/>
+            <a:ext cx="4003560" cy="3599280"/>
           </a:xfrm>
           <a:prstGeom prst="rect">
             <a:avLst/>
@@ -13994,7 +13994,7 @@
         <p:spPr>
           <a:xfrm>
             <a:off x="586440" y="453960"/>
-            <a:ext cx="4763880" cy="855000"/>
+            <a:ext cx="4763520" cy="854640"/>
           </a:xfrm>
           <a:prstGeom prst="rect">
             <a:avLst/>
@@ -14083,7 +14083,7 @@
         <p:spPr>
           <a:xfrm rot="2745600">
             <a:off x="8349840" y="-668160"/>
-            <a:ext cx="1497960" cy="1497960"/>
+            <a:ext cx="1497600" cy="1497600"/>
           </a:xfrm>
           <a:prstGeom prst="roundRect">
             <a:avLst>
@@ -14121,7 +14121,7 @@
         <p:spPr>
           <a:xfrm rot="2745600">
             <a:off x="7634160" y="-322200"/>
-            <a:ext cx="806760" cy="807120"/>
+            <a:ext cx="806400" cy="806760"/>
           </a:xfrm>
           <a:prstGeom prst="roundRect">
             <a:avLst>
@@ -14160,7 +14160,7 @@
         <p:spPr>
           <a:xfrm>
             <a:off x="586440" y="899640"/>
-            <a:ext cx="7931520" cy="1536840"/>
+            <a:ext cx="7931160" cy="1536480"/>
           </a:xfrm>
           <a:prstGeom prst="rect">
             <a:avLst/>
@@ -14212,7 +14212,7 @@
         <p:spPr>
           <a:xfrm>
             <a:off x="608040" y="2545560"/>
-            <a:ext cx="3711960" cy="2255400"/>
+            <a:ext cx="3711600" cy="2255040"/>
           </a:xfrm>
           <a:prstGeom prst="rect">
             <a:avLst/>
@@ -14264,7 +14264,7 @@
         <p:spPr>
           <a:xfrm>
             <a:off x="4806360" y="2545560"/>
-            <a:ext cx="3711960" cy="2255400"/>
+            <a:ext cx="3711600" cy="2255040"/>
           </a:xfrm>
           <a:prstGeom prst="rect">
             <a:avLst/>
@@ -14316,7 +14316,7 @@
         <p:spPr>
           <a:xfrm>
             <a:off x="583200" y="450720"/>
-            <a:ext cx="7197840" cy="511920"/>
+            <a:ext cx="7197480" cy="511560"/>
           </a:xfrm>
           <a:prstGeom prst="rect">
             <a:avLst/>
@@ -14398,7 +14398,7 @@
         <p:spPr>
           <a:xfrm>
             <a:off x="586440" y="1246680"/>
-            <a:ext cx="4003920" cy="3599640"/>
+            <a:ext cx="4003560" cy="3599280"/>
           </a:xfrm>
           <a:prstGeom prst="rect">
             <a:avLst/>
@@ -14450,7 +14450,7 @@
         <p:spPr>
           <a:xfrm>
             <a:off x="559800" y="446040"/>
-            <a:ext cx="4283280" cy="683280"/>
+            <a:ext cx="4282920" cy="682920"/>
           </a:xfrm>
           <a:prstGeom prst="rect">
             <a:avLst/>
@@ -14502,7 +14502,7 @@
         <p:spPr>
           <a:xfrm>
             <a:off x="5097600" y="360"/>
-            <a:ext cx="4379400" cy="5143680"/>
+            <a:ext cx="4379040" cy="5143320"/>
           </a:xfrm>
           <a:prstGeom prst="roundRect">
             <a:avLst>
@@ -14567,8 +14567,8 @@
         </p:nvSpPr>
         <p:spPr>
           <a:xfrm rot="2744400">
-            <a:off x="-280800" y="-25560"/>
-            <a:ext cx="704160" cy="703800"/>
+            <a:off x="-280080" y="-25560"/>
+            <a:ext cx="703800" cy="703440"/>
           </a:xfrm>
           <a:prstGeom prst="roundRect">
             <a:avLst>
@@ -14605,8 +14605,8 @@
         </p:nvSpPr>
         <p:spPr>
           <a:xfrm rot="2625600">
-            <a:off x="4861080" y="4146840"/>
-            <a:ext cx="468000" cy="468000"/>
+            <a:off x="4861080" y="4146480"/>
+            <a:ext cx="467640" cy="467640"/>
           </a:xfrm>
           <a:prstGeom prst="roundRect">
             <a:avLst>
@@ -14680,8 +14680,8 @@
         </p:nvSpPr>
         <p:spPr>
           <a:xfrm rot="2744400">
-            <a:off x="-349920" y="4539960"/>
-            <a:ext cx="704160" cy="703800"/>
+            <a:off x="-349200" y="4539600"/>
+            <a:ext cx="703800" cy="703440"/>
           </a:xfrm>
           <a:prstGeom prst="roundRect">
             <a:avLst>
@@ -14718,8 +14718,8 @@
         </p:nvSpPr>
         <p:spPr>
           <a:xfrm rot="19228200">
-            <a:off x="5846040" y="-2266200"/>
-            <a:ext cx="4854960" cy="7725960"/>
+            <a:off x="5845680" y="-2265840"/>
+            <a:ext cx="4854600" cy="7725600"/>
           </a:xfrm>
           <a:prstGeom prst="roundRect">
             <a:avLst>
@@ -14757,9 +14757,9 @@
         <p:grpSpPr>
           <a:xfrm>
             <a:off x="4571640" y="828000"/>
-            <a:ext cx="4467960" cy="3564000"/>
+            <a:ext cx="4467600" cy="3563640"/>
             <a:chOff x="4571640" y="828000"/>
-            <a:chExt cx="4467960" cy="3564000"/>
+            <a:chExt cx="4467600" cy="3563640"/>
           </a:xfrm>
         </p:grpSpPr>
         <p:pic>
@@ -14775,7 +14775,7 @@
           <p:spPr>
             <a:xfrm>
               <a:off x="4571640" y="828000"/>
-              <a:ext cx="4467960" cy="3564000"/>
+              <a:ext cx="4467600" cy="3563640"/>
             </a:xfrm>
             <a:prstGeom prst="rect">
               <a:avLst/>
@@ -14793,8 +14793,8 @@
           </p:nvSpPr>
           <p:spPr>
             <a:xfrm rot="16200000">
-              <a:off x="5962680" y="1159200"/>
-              <a:ext cx="1737000" cy="2770920"/>
+              <a:off x="5962680" y="1159560"/>
+              <a:ext cx="1736640" cy="2770560"/>
             </a:xfrm>
             <a:prstGeom prst="roundRect">
               <a:avLst>
@@ -14861,7 +14861,7 @@
         <p:spPr>
           <a:xfrm>
             <a:off x="586440" y="1246680"/>
-            <a:ext cx="4003920" cy="3599640"/>
+            <a:ext cx="4003560" cy="3599280"/>
           </a:xfrm>
           <a:prstGeom prst="rect">
             <a:avLst/>
@@ -14913,7 +14913,7 @@
         <p:spPr>
           <a:xfrm>
             <a:off x="5446080" y="1672200"/>
-            <a:ext cx="2779920" cy="1737000"/>
+            <a:ext cx="2779560" cy="1736640"/>
           </a:xfrm>
           <a:prstGeom prst="rect">
             <a:avLst/>
@@ -14965,7 +14965,7 @@
         <p:spPr>
           <a:xfrm>
             <a:off x="586440" y="453960"/>
-            <a:ext cx="3696480" cy="855000"/>
+            <a:ext cx="3696120" cy="854640"/>
           </a:xfrm>
           <a:prstGeom prst="rect">
             <a:avLst/>
@@ -15054,7 +15054,7 @@
         <p:spPr>
           <a:xfrm>
             <a:off x="4222080" y="1246680"/>
-            <a:ext cx="4114800" cy="3599640"/>
+            <a:ext cx="4114440" cy="3599280"/>
           </a:xfrm>
           <a:prstGeom prst="rect">
             <a:avLst/>
@@ -15105,8 +15105,8 @@
         </p:nvSpPr>
         <p:spPr>
           <a:xfrm rot="16200000">
-            <a:off x="-2181600" y="1733760"/>
-            <a:ext cx="5143680" cy="1683720"/>
+            <a:off x="-2181600" y="1734120"/>
+            <a:ext cx="5143320" cy="1683360"/>
           </a:xfrm>
           <a:prstGeom prst="roundRect">
             <a:avLst>
@@ -15144,7 +15144,7 @@
         <p:spPr>
           <a:xfrm rot="2745000">
             <a:off x="8575200" y="103320"/>
-            <a:ext cx="1132200" cy="1131840"/>
+            <a:ext cx="1131840" cy="1131480"/>
           </a:xfrm>
           <a:prstGeom prst="roundRect">
             <a:avLst>
@@ -15181,8 +15181,8 @@
         </p:nvSpPr>
         <p:spPr>
           <a:xfrm rot="16200000">
-            <a:off x="614880" y="919080"/>
-            <a:ext cx="3231720" cy="3313440"/>
+            <a:off x="614880" y="919440"/>
+            <a:ext cx="3231360" cy="3313080"/>
           </a:xfrm>
           <a:prstGeom prst="roundRect">
             <a:avLst>
@@ -15248,7 +15248,7 @@
         <p:spPr>
           <a:xfrm>
             <a:off x="4214160" y="456120"/>
-            <a:ext cx="4111560" cy="855000"/>
+            <a:ext cx="4111200" cy="854640"/>
           </a:xfrm>
           <a:prstGeom prst="rect">
             <a:avLst/>
@@ -15336,8 +15336,8 @@
         </p:nvSpPr>
         <p:spPr>
           <a:xfrm rot="2744400">
-            <a:off x="-349920" y="4539960"/>
-            <a:ext cx="704160" cy="703800"/>
+            <a:off x="-349200" y="4539600"/>
+            <a:ext cx="703800" cy="703440"/>
           </a:xfrm>
           <a:prstGeom prst="roundRect">
             <a:avLst>
@@ -15374,8 +15374,8 @@
         </p:nvSpPr>
         <p:spPr>
           <a:xfrm rot="19228200">
-            <a:off x="5846040" y="-2266200"/>
-            <a:ext cx="4854960" cy="7725960"/>
+            <a:off x="5845680" y="-2265840"/>
+            <a:ext cx="4854600" cy="7725600"/>
           </a:xfrm>
           <a:prstGeom prst="roundRect">
             <a:avLst>
@@ -15413,9 +15413,9 @@
         <p:grpSpPr>
           <a:xfrm>
             <a:off x="4571640" y="828000"/>
-            <a:ext cx="4467960" cy="3564000"/>
+            <a:ext cx="4467600" cy="3563640"/>
             <a:chOff x="4571640" y="828000"/>
-            <a:chExt cx="4467960" cy="3564000"/>
+            <a:chExt cx="4467600" cy="3563640"/>
           </a:xfrm>
         </p:grpSpPr>
         <p:pic>
@@ -15431,7 +15431,7 @@
           <p:spPr>
             <a:xfrm>
               <a:off x="4571640" y="828000"/>
-              <a:ext cx="4467960" cy="3564000"/>
+              <a:ext cx="4467600" cy="3563640"/>
             </a:xfrm>
             <a:prstGeom prst="rect">
               <a:avLst/>
@@ -15449,8 +15449,8 @@
           </p:nvSpPr>
           <p:spPr>
             <a:xfrm rot="16200000">
-              <a:off x="5962680" y="1159200"/>
-              <a:ext cx="1737000" cy="2770920"/>
+              <a:off x="5962680" y="1159560"/>
+              <a:ext cx="1736640" cy="2770560"/>
             </a:xfrm>
             <a:prstGeom prst="roundRect">
               <a:avLst>
@@ -15517,7 +15517,7 @@
         <p:spPr>
           <a:xfrm>
             <a:off x="586440" y="1246680"/>
-            <a:ext cx="4003920" cy="3599640"/>
+            <a:ext cx="4003560" cy="3599280"/>
           </a:xfrm>
           <a:prstGeom prst="rect">
             <a:avLst/>
@@ -15569,7 +15569,7 @@
         <p:spPr>
           <a:xfrm>
             <a:off x="5446080" y="1672200"/>
-            <a:ext cx="2779920" cy="1737000"/>
+            <a:ext cx="2779560" cy="1736640"/>
           </a:xfrm>
           <a:prstGeom prst="rect">
             <a:avLst/>
@@ -15621,7 +15621,7 @@
         <p:spPr>
           <a:xfrm>
             <a:off x="586440" y="453960"/>
-            <a:ext cx="3696480" cy="855000"/>
+            <a:ext cx="3696120" cy="854640"/>
           </a:xfrm>
           <a:prstGeom prst="rect">
             <a:avLst/>
@@ -15709,8 +15709,8 @@
         </p:nvSpPr>
         <p:spPr>
           <a:xfrm rot="2744400">
-            <a:off x="-280800" y="-25560"/>
-            <a:ext cx="704160" cy="703800"/>
+            <a:off x="-280080" y="-25560"/>
+            <a:ext cx="703800" cy="703440"/>
           </a:xfrm>
           <a:prstGeom prst="roundRect">
             <a:avLst>
@@ -15747,8 +15747,8 @@
         </p:nvSpPr>
         <p:spPr>
           <a:xfrm rot="2332200">
-            <a:off x="6009480" y="-319680"/>
-            <a:ext cx="4855320" cy="7726320"/>
+            <a:off x="6009120" y="-319680"/>
+            <a:ext cx="4854960" cy="7725960"/>
           </a:xfrm>
           <a:prstGeom prst="roundRect">
             <a:avLst>
@@ -15786,9 +15786,9 @@
         <p:grpSpPr>
           <a:xfrm>
             <a:off x="4571640" y="828000"/>
-            <a:ext cx="4467960" cy="3564000"/>
+            <a:ext cx="4467600" cy="3563640"/>
             <a:chOff x="4571640" y="828000"/>
-            <a:chExt cx="4467960" cy="3564000"/>
+            <a:chExt cx="4467600" cy="3563640"/>
           </a:xfrm>
         </p:grpSpPr>
         <p:pic>
@@ -15804,7 +15804,7 @@
           <p:spPr>
             <a:xfrm>
               <a:off x="4571640" y="828000"/>
-              <a:ext cx="4467960" cy="3564000"/>
+              <a:ext cx="4467600" cy="3563640"/>
             </a:xfrm>
             <a:prstGeom prst="rect">
               <a:avLst/>
@@ -15822,8 +15822,8 @@
           </p:nvSpPr>
           <p:spPr>
             <a:xfrm rot="16200000">
-              <a:off x="5962680" y="1159200"/>
-              <a:ext cx="1737000" cy="2770920"/>
+              <a:off x="5962680" y="1159560"/>
+              <a:ext cx="1736640" cy="2770560"/>
             </a:xfrm>
             <a:prstGeom prst="roundRect">
               <a:avLst>
@@ -15890,7 +15890,7 @@
         <p:spPr>
           <a:xfrm>
             <a:off x="5446080" y="1672200"/>
-            <a:ext cx="2770560" cy="1737000"/>
+            <a:ext cx="2770200" cy="1736640"/>
           </a:xfrm>
           <a:prstGeom prst="rect">
             <a:avLst/>
@@ -15942,7 +15942,7 @@
         <p:spPr>
           <a:xfrm>
             <a:off x="586440" y="1246680"/>
-            <a:ext cx="4003920" cy="3599640"/>
+            <a:ext cx="4003560" cy="3599280"/>
           </a:xfrm>
           <a:prstGeom prst="rect">
             <a:avLst/>
@@ -15994,7 +15994,7 @@
         <p:spPr>
           <a:xfrm>
             <a:off x="586440" y="453960"/>
-            <a:ext cx="4763880" cy="855000"/>
+            <a:ext cx="4763520" cy="854640"/>
           </a:xfrm>
           <a:prstGeom prst="rect">
             <a:avLst/>
@@ -16083,7 +16083,7 @@
         <p:spPr>
           <a:xfrm rot="2745600">
             <a:off x="8349840" y="-668160"/>
-            <a:ext cx="1497960" cy="1497960"/>
+            <a:ext cx="1497600" cy="1497600"/>
           </a:xfrm>
           <a:prstGeom prst="roundRect">
             <a:avLst>
@@ -16121,7 +16121,7 @@
         <p:spPr>
           <a:xfrm rot="2745600">
             <a:off x="7634160" y="-322200"/>
-            <a:ext cx="806760" cy="807120"/>
+            <a:ext cx="806400" cy="806760"/>
           </a:xfrm>
           <a:prstGeom prst="roundRect">
             <a:avLst>
@@ -16160,7 +16160,7 @@
         <p:spPr>
           <a:xfrm>
             <a:off x="586440" y="899640"/>
-            <a:ext cx="7931520" cy="1536840"/>
+            <a:ext cx="7931160" cy="1536480"/>
           </a:xfrm>
           <a:prstGeom prst="rect">
             <a:avLst/>
@@ -16212,7 +16212,7 @@
         <p:spPr>
           <a:xfrm>
             <a:off x="608040" y="2545560"/>
-            <a:ext cx="3711960" cy="2255400"/>
+            <a:ext cx="3711600" cy="2255040"/>
           </a:xfrm>
           <a:prstGeom prst="rect">
             <a:avLst/>
@@ -16264,7 +16264,7 @@
         <p:spPr>
           <a:xfrm>
             <a:off x="4806360" y="2545560"/>
-            <a:ext cx="3711960" cy="2255400"/>
+            <a:ext cx="3711600" cy="2255040"/>
           </a:xfrm>
           <a:prstGeom prst="rect">
             <a:avLst/>
@@ -16316,7 +16316,7 @@
         <p:spPr>
           <a:xfrm>
             <a:off x="583200" y="450720"/>
-            <a:ext cx="7197840" cy="511920"/>
+            <a:ext cx="7197480" cy="511560"/>
           </a:xfrm>
           <a:prstGeom prst="rect">
             <a:avLst/>
@@ -16398,7 +16398,7 @@
         <p:spPr>
           <a:xfrm>
             <a:off x="586440" y="1246680"/>
-            <a:ext cx="4003920" cy="3599640"/>
+            <a:ext cx="4003560" cy="3599280"/>
           </a:xfrm>
           <a:prstGeom prst="rect">
             <a:avLst/>
@@ -16450,7 +16450,7 @@
         <p:spPr>
           <a:xfrm>
             <a:off x="559800" y="446040"/>
-            <a:ext cx="4283280" cy="683280"/>
+            <a:ext cx="4282920" cy="682920"/>
           </a:xfrm>
           <a:prstGeom prst="rect">
             <a:avLst/>
@@ -16502,7 +16502,7 @@
         <p:spPr>
           <a:xfrm>
             <a:off x="5097600" y="360"/>
-            <a:ext cx="4379400" cy="5143680"/>
+            <a:ext cx="4379040" cy="5143320"/>
           </a:xfrm>
           <a:prstGeom prst="roundRect">
             <a:avLst>
@@ -16567,8 +16567,8 @@
         </p:nvSpPr>
         <p:spPr>
           <a:xfrm rot="2744400">
-            <a:off x="-280800" y="-25560"/>
-            <a:ext cx="704160" cy="703800"/>
+            <a:off x="-280080" y="-25560"/>
+            <a:ext cx="703800" cy="703440"/>
           </a:xfrm>
           <a:prstGeom prst="roundRect">
             <a:avLst>
@@ -16605,8 +16605,8 @@
         </p:nvSpPr>
         <p:spPr>
           <a:xfrm rot="2625600">
-            <a:off x="4861080" y="4146840"/>
-            <a:ext cx="468000" cy="468000"/>
+            <a:off x="4861080" y="4146480"/>
+            <a:ext cx="467640" cy="467640"/>
           </a:xfrm>
           <a:prstGeom prst="roundRect">
             <a:avLst>
@@ -16680,8 +16680,8 @@
         </p:nvSpPr>
         <p:spPr>
           <a:xfrm rot="2744400">
-            <a:off x="-349920" y="4539960"/>
-            <a:ext cx="704160" cy="703800"/>
+            <a:off x="-349200" y="4539600"/>
+            <a:ext cx="703800" cy="703440"/>
           </a:xfrm>
           <a:prstGeom prst="roundRect">
             <a:avLst>
@@ -16718,8 +16718,8 @@
         </p:nvSpPr>
         <p:spPr>
           <a:xfrm rot="19228200">
-            <a:off x="5846040" y="-2266200"/>
-            <a:ext cx="4854960" cy="7725960"/>
+            <a:off x="5845680" y="-2265840"/>
+            <a:ext cx="4854600" cy="7725600"/>
           </a:xfrm>
           <a:prstGeom prst="roundRect">
             <a:avLst>
@@ -16757,9 +16757,9 @@
         <p:grpSpPr>
           <a:xfrm>
             <a:off x="4571640" y="828000"/>
-            <a:ext cx="4467960" cy="3564000"/>
+            <a:ext cx="4467600" cy="3563640"/>
             <a:chOff x="4571640" y="828000"/>
-            <a:chExt cx="4467960" cy="3564000"/>
+            <a:chExt cx="4467600" cy="3563640"/>
           </a:xfrm>
         </p:grpSpPr>
         <p:pic>
@@ -16775,7 +16775,7 @@
           <p:spPr>
             <a:xfrm>
               <a:off x="4571640" y="828000"/>
-              <a:ext cx="4467960" cy="3564000"/>
+              <a:ext cx="4467600" cy="3563640"/>
             </a:xfrm>
             <a:prstGeom prst="rect">
               <a:avLst/>
@@ -16793,8 +16793,8 @@
           </p:nvSpPr>
           <p:spPr>
             <a:xfrm rot="16200000">
-              <a:off x="5962680" y="1159200"/>
-              <a:ext cx="1737000" cy="2770920"/>
+              <a:off x="5962680" y="1159560"/>
+              <a:ext cx="1736640" cy="2770560"/>
             </a:xfrm>
             <a:prstGeom prst="roundRect">
               <a:avLst>
@@ -16861,7 +16861,7 @@
         <p:spPr>
           <a:xfrm>
             <a:off x="586440" y="1246680"/>
-            <a:ext cx="4003920" cy="3599640"/>
+            <a:ext cx="4003560" cy="3599280"/>
           </a:xfrm>
           <a:prstGeom prst="rect">
             <a:avLst/>
@@ -16913,7 +16913,7 @@
         <p:spPr>
           <a:xfrm>
             <a:off x="5446080" y="1672200"/>
-            <a:ext cx="2779920" cy="1737000"/>
+            <a:ext cx="2779560" cy="1736640"/>
           </a:xfrm>
           <a:prstGeom prst="rect">
             <a:avLst/>
@@ -16965,7 +16965,7 @@
         <p:spPr>
           <a:xfrm>
             <a:off x="586440" y="453960"/>
-            <a:ext cx="3696480" cy="855000"/>
+            <a:ext cx="3696120" cy="854640"/>
           </a:xfrm>
           <a:prstGeom prst="rect">
             <a:avLst/>
@@ -17054,7 +17054,7 @@
         <p:spPr>
           <a:xfrm>
             <a:off x="4222080" y="1246680"/>
-            <a:ext cx="4114800" cy="3599640"/>
+            <a:ext cx="4114440" cy="3599280"/>
           </a:xfrm>
           <a:prstGeom prst="rect">
             <a:avLst/>
@@ -17105,8 +17105,8 @@
         </p:nvSpPr>
         <p:spPr>
           <a:xfrm rot="16200000">
-            <a:off x="-2181600" y="1733760"/>
-            <a:ext cx="5143680" cy="1683720"/>
+            <a:off x="-2181600" y="1734120"/>
+            <a:ext cx="5143320" cy="1683360"/>
           </a:xfrm>
           <a:prstGeom prst="roundRect">
             <a:avLst>
@@ -17144,7 +17144,7 @@
         <p:spPr>
           <a:xfrm rot="2745000">
             <a:off x="8575200" y="103320"/>
-            <a:ext cx="1132200" cy="1131840"/>
+            <a:ext cx="1131840" cy="1131480"/>
           </a:xfrm>
           <a:prstGeom prst="roundRect">
             <a:avLst>
@@ -17181,8 +17181,8 @@
         </p:nvSpPr>
         <p:spPr>
           <a:xfrm rot="16200000">
-            <a:off x="614880" y="919080"/>
-            <a:ext cx="3231720" cy="3313440"/>
+            <a:off x="614880" y="919440"/>
+            <a:ext cx="3231360" cy="3313080"/>
           </a:xfrm>
           <a:prstGeom prst="roundRect">
             <a:avLst>
@@ -17248,7 +17248,7 @@
         <p:spPr>
           <a:xfrm>
             <a:off x="4214160" y="456120"/>
-            <a:ext cx="4111560" cy="855000"/>
+            <a:ext cx="4111200" cy="854640"/>
           </a:xfrm>
           <a:prstGeom prst="rect">
             <a:avLst/>
@@ -17336,8 +17336,8 @@
         </p:nvSpPr>
         <p:spPr>
           <a:xfrm rot="2744400">
-            <a:off x="-280800" y="-25560"/>
-            <a:ext cx="704160" cy="703800"/>
+            <a:off x="-280080" y="-25560"/>
+            <a:ext cx="703800" cy="703440"/>
           </a:xfrm>
           <a:prstGeom prst="roundRect">
             <a:avLst>
@@ -17374,8 +17374,8 @@
         </p:nvSpPr>
         <p:spPr>
           <a:xfrm rot="2332200">
-            <a:off x="6009480" y="-319680"/>
-            <a:ext cx="4855320" cy="7726320"/>
+            <a:off x="6009120" y="-319680"/>
+            <a:ext cx="4854960" cy="7725960"/>
           </a:xfrm>
           <a:prstGeom prst="roundRect">
             <a:avLst>
@@ -17413,9 +17413,9 @@
         <p:grpSpPr>
           <a:xfrm>
             <a:off x="4571640" y="828000"/>
-            <a:ext cx="4467960" cy="3564000"/>
+            <a:ext cx="4467600" cy="3563640"/>
             <a:chOff x="4571640" y="828000"/>
-            <a:chExt cx="4467960" cy="3564000"/>
+            <a:chExt cx="4467600" cy="3563640"/>
           </a:xfrm>
         </p:grpSpPr>
         <p:pic>
@@ -17431,7 +17431,7 @@
           <p:spPr>
             <a:xfrm>
               <a:off x="4571640" y="828000"/>
-              <a:ext cx="4467960" cy="3564000"/>
+              <a:ext cx="4467600" cy="3563640"/>
             </a:xfrm>
             <a:prstGeom prst="rect">
               <a:avLst/>
@@ -17449,8 +17449,8 @@
           </p:nvSpPr>
           <p:spPr>
             <a:xfrm rot="16200000">
-              <a:off x="5962680" y="1159200"/>
-              <a:ext cx="1737000" cy="2770920"/>
+              <a:off x="5962680" y="1159560"/>
+              <a:ext cx="1736640" cy="2770560"/>
             </a:xfrm>
             <a:prstGeom prst="roundRect">
               <a:avLst>
@@ -17517,7 +17517,7 @@
         <p:spPr>
           <a:xfrm>
             <a:off x="5446080" y="1672200"/>
-            <a:ext cx="2770560" cy="1737000"/>
+            <a:ext cx="2770200" cy="1736640"/>
           </a:xfrm>
           <a:prstGeom prst="rect">
             <a:avLst/>
@@ -17569,7 +17569,7 @@
         <p:spPr>
           <a:xfrm>
             <a:off x="586440" y="1246680"/>
-            <a:ext cx="4003920" cy="3599640"/>
+            <a:ext cx="4003560" cy="3599280"/>
           </a:xfrm>
           <a:prstGeom prst="rect">
             <a:avLst/>
@@ -17621,7 +17621,7 @@
         <p:spPr>
           <a:xfrm>
             <a:off x="586440" y="453960"/>
-            <a:ext cx="4763880" cy="855000"/>
+            <a:ext cx="4763520" cy="854640"/>
           </a:xfrm>
           <a:prstGeom prst="rect">
             <a:avLst/>
@@ -17709,8 +17709,8 @@
         </p:nvSpPr>
         <p:spPr>
           <a:xfrm rot="2744400">
-            <a:off x="-280800" y="-25560"/>
-            <a:ext cx="704160" cy="703800"/>
+            <a:off x="-280080" y="-25560"/>
+            <a:ext cx="703800" cy="703440"/>
           </a:xfrm>
           <a:prstGeom prst="roundRect">
             <a:avLst>
@@ -17748,7 +17748,7 @@
         <p:spPr>
           <a:xfrm>
             <a:off x="569160" y="1888920"/>
-            <a:ext cx="4820760" cy="820800"/>
+            <a:ext cx="4820400" cy="820800"/>
           </a:xfrm>
           <a:prstGeom prst="rect">
             <a:avLst/>
@@ -17799,8 +17799,8 @@
         </p:nvSpPr>
         <p:spPr>
           <a:xfrm rot="18679800">
-            <a:off x="6782040" y="457560"/>
-            <a:ext cx="6250320" cy="4665960"/>
+            <a:off x="6782040" y="457920"/>
+            <a:ext cx="6249960" cy="4665600"/>
           </a:xfrm>
           <a:prstGeom prst="roundRect">
             <a:avLst>
@@ -17837,8 +17837,8 @@
         </p:nvSpPr>
         <p:spPr>
           <a:xfrm rot="2625600">
-            <a:off x="6024960" y="4332960"/>
-            <a:ext cx="468000" cy="468000"/>
+            <a:off x="6024960" y="4332600"/>
+            <a:ext cx="467640" cy="467640"/>
           </a:xfrm>
           <a:prstGeom prst="roundRect">
             <a:avLst>
@@ -17876,7 +17876,7 @@
         <p:spPr>
           <a:xfrm>
             <a:off x="1640880" y="4592880"/>
-            <a:ext cx="2995200" cy="266040"/>
+            <a:ext cx="2994840" cy="265680"/>
           </a:xfrm>
           <a:prstGeom prst="rect">
             <a:avLst/>
@@ -17938,7 +17938,7 @@
         <p:spPr>
           <a:xfrm>
             <a:off x="867240" y="3590280"/>
-            <a:ext cx="253080" cy="253440"/>
+            <a:ext cx="252720" cy="253080"/>
           </a:xfrm>
           <a:prstGeom prst="ellipse">
             <a:avLst/>
@@ -17973,7 +17973,7 @@
         <p:spPr>
           <a:xfrm>
             <a:off x="351000" y="3793320"/>
-            <a:ext cx="1285560" cy="1131120"/>
+            <a:ext cx="1285200" cy="1130760"/>
           </a:xfrm>
           <a:prstGeom prst="rect">
             <a:avLst/>
@@ -18029,7 +18029,7 @@
         <p:spPr>
           <a:xfrm>
             <a:off x="4222080" y="1246680"/>
-            <a:ext cx="4114800" cy="3599640"/>
+            <a:ext cx="4114440" cy="3599280"/>
           </a:xfrm>
           <a:prstGeom prst="rect">
             <a:avLst/>
@@ -18080,8 +18080,8 @@
         </p:nvSpPr>
         <p:spPr>
           <a:xfrm rot="16200000">
-            <a:off x="-2181600" y="1733760"/>
-            <a:ext cx="5143680" cy="1683720"/>
+            <a:off x="-2181600" y="1734120"/>
+            <a:ext cx="5143320" cy="1683360"/>
           </a:xfrm>
           <a:prstGeom prst="roundRect">
             <a:avLst>
@@ -18119,7 +18119,7 @@
         <p:spPr>
           <a:xfrm rot="2745000">
             <a:off x="8575200" y="103320"/>
-            <a:ext cx="1132200" cy="1131840"/>
+            <a:ext cx="1131840" cy="1131480"/>
           </a:xfrm>
           <a:prstGeom prst="roundRect">
             <a:avLst>
@@ -18156,8 +18156,8 @@
         </p:nvSpPr>
         <p:spPr>
           <a:xfrm rot="16200000">
-            <a:off x="614880" y="919080"/>
-            <a:ext cx="3231720" cy="3313440"/>
+            <a:off x="614880" y="919440"/>
+            <a:ext cx="3231360" cy="3313080"/>
           </a:xfrm>
           <a:prstGeom prst="roundRect">
             <a:avLst>
@@ -18223,7 +18223,7 @@
         <p:spPr>
           <a:xfrm>
             <a:off x="4214160" y="456120"/>
-            <a:ext cx="4111560" cy="855000"/>
+            <a:ext cx="4111200" cy="854640"/>
           </a:xfrm>
           <a:prstGeom prst="rect">
             <a:avLst/>
@@ -18311,8 +18311,8 @@
         </p:nvSpPr>
         <p:spPr>
           <a:xfrm rot="2744400">
-            <a:off x="-280800" y="-25560"/>
-            <a:ext cx="704160" cy="703800"/>
+            <a:off x="-280080" y="-25560"/>
+            <a:ext cx="703800" cy="703440"/>
           </a:xfrm>
           <a:prstGeom prst="roundRect">
             <a:avLst>
@@ -18349,8 +18349,8 @@
         </p:nvSpPr>
         <p:spPr>
           <a:xfrm rot="2332200">
-            <a:off x="6009480" y="-319680"/>
-            <a:ext cx="4855320" cy="7726320"/>
+            <a:off x="6009120" y="-319680"/>
+            <a:ext cx="4854960" cy="7725960"/>
           </a:xfrm>
           <a:prstGeom prst="roundRect">
             <a:avLst>
@@ -18388,9 +18388,9 @@
         <p:grpSpPr>
           <a:xfrm>
             <a:off x="4571640" y="828000"/>
-            <a:ext cx="4467960" cy="3564000"/>
+            <a:ext cx="4467600" cy="3563640"/>
             <a:chOff x="4571640" y="828000"/>
-            <a:chExt cx="4467960" cy="3564000"/>
+            <a:chExt cx="4467600" cy="3563640"/>
           </a:xfrm>
         </p:grpSpPr>
         <p:pic>
@@ -18406,7 +18406,7 @@
           <p:spPr>
             <a:xfrm>
               <a:off x="4571640" y="828000"/>
-              <a:ext cx="4467960" cy="3564000"/>
+              <a:ext cx="4467600" cy="3563640"/>
             </a:xfrm>
             <a:prstGeom prst="rect">
               <a:avLst/>
@@ -18424,8 +18424,8 @@
           </p:nvSpPr>
           <p:spPr>
             <a:xfrm rot="16200000">
-              <a:off x="5962680" y="1159200"/>
-              <a:ext cx="1737000" cy="2770920"/>
+              <a:off x="5962680" y="1159560"/>
+              <a:ext cx="1736640" cy="2770560"/>
             </a:xfrm>
             <a:prstGeom prst="roundRect">
               <a:avLst>
@@ -18492,7 +18492,7 @@
         <p:spPr>
           <a:xfrm>
             <a:off x="5446080" y="1672200"/>
-            <a:ext cx="2770560" cy="1737000"/>
+            <a:ext cx="2770200" cy="1736640"/>
           </a:xfrm>
           <a:prstGeom prst="rect">
             <a:avLst/>
@@ -18544,7 +18544,7 @@
         <p:spPr>
           <a:xfrm>
             <a:off x="586440" y="1246680"/>
-            <a:ext cx="4003920" cy="3599640"/>
+            <a:ext cx="4003560" cy="3599280"/>
           </a:xfrm>
           <a:prstGeom prst="rect">
             <a:avLst/>
@@ -18596,7 +18596,7 @@
         <p:spPr>
           <a:xfrm>
             <a:off x="586440" y="453960"/>
-            <a:ext cx="4763880" cy="855000"/>
+            <a:ext cx="4763520" cy="854640"/>
           </a:xfrm>
           <a:prstGeom prst="rect">
             <a:avLst/>
@@ -18685,7 +18685,7 @@
         <p:spPr>
           <a:xfrm rot="2745600">
             <a:off x="8349840" y="-668160"/>
-            <a:ext cx="1497960" cy="1497960"/>
+            <a:ext cx="1497600" cy="1497600"/>
           </a:xfrm>
           <a:prstGeom prst="roundRect">
             <a:avLst>
@@ -18723,7 +18723,7 @@
         <p:spPr>
           <a:xfrm rot="2745600">
             <a:off x="7634160" y="-322200"/>
-            <a:ext cx="806760" cy="807120"/>
+            <a:ext cx="806400" cy="806760"/>
           </a:xfrm>
           <a:prstGeom prst="roundRect">
             <a:avLst>
@@ -18762,7 +18762,7 @@
         <p:spPr>
           <a:xfrm>
             <a:off x="586440" y="899640"/>
-            <a:ext cx="7931520" cy="1536840"/>
+            <a:ext cx="7931160" cy="1536480"/>
           </a:xfrm>
           <a:prstGeom prst="rect">
             <a:avLst/>
@@ -18814,7 +18814,7 @@
         <p:spPr>
           <a:xfrm>
             <a:off x="608040" y="2545560"/>
-            <a:ext cx="3711960" cy="2255400"/>
+            <a:ext cx="3711600" cy="2255040"/>
           </a:xfrm>
           <a:prstGeom prst="rect">
             <a:avLst/>
@@ -18866,7 +18866,7 @@
         <p:spPr>
           <a:xfrm>
             <a:off x="4806360" y="2545560"/>
-            <a:ext cx="3711960" cy="2255400"/>
+            <a:ext cx="3711600" cy="2255040"/>
           </a:xfrm>
           <a:prstGeom prst="rect">
             <a:avLst/>
@@ -18918,7 +18918,7 @@
         <p:spPr>
           <a:xfrm>
             <a:off x="583200" y="450720"/>
-            <a:ext cx="7197840" cy="511920"/>
+            <a:ext cx="7197480" cy="511560"/>
           </a:xfrm>
           <a:prstGeom prst="rect">
             <a:avLst/>
@@ -19000,7 +19000,7 @@
         <p:spPr>
           <a:xfrm>
             <a:off x="586440" y="1246680"/>
-            <a:ext cx="4003920" cy="3599640"/>
+            <a:ext cx="4003560" cy="3599280"/>
           </a:xfrm>
           <a:prstGeom prst="rect">
             <a:avLst/>
@@ -19052,7 +19052,7 @@
         <p:spPr>
           <a:xfrm>
             <a:off x="559800" y="446040"/>
-            <a:ext cx="4283280" cy="683280"/>
+            <a:ext cx="4282920" cy="682920"/>
           </a:xfrm>
           <a:prstGeom prst="rect">
             <a:avLst/>
@@ -19104,7 +19104,7 @@
         <p:spPr>
           <a:xfrm>
             <a:off x="5097600" y="360"/>
-            <a:ext cx="4379400" cy="5143680"/>
+            <a:ext cx="4379040" cy="5143320"/>
           </a:xfrm>
           <a:prstGeom prst="roundRect">
             <a:avLst>
@@ -19169,8 +19169,8 @@
         </p:nvSpPr>
         <p:spPr>
           <a:xfrm rot="2744400">
-            <a:off x="-280800" y="-25560"/>
-            <a:ext cx="704160" cy="703800"/>
+            <a:off x="-280080" y="-25560"/>
+            <a:ext cx="703800" cy="703440"/>
           </a:xfrm>
           <a:prstGeom prst="roundRect">
             <a:avLst>
@@ -19207,8 +19207,8 @@
         </p:nvSpPr>
         <p:spPr>
           <a:xfrm rot="2625600">
-            <a:off x="4861080" y="4146840"/>
-            <a:ext cx="468000" cy="468000"/>
+            <a:off x="4861080" y="4146480"/>
+            <a:ext cx="467640" cy="467640"/>
           </a:xfrm>
           <a:prstGeom prst="roundRect">
             <a:avLst>
@@ -19282,8 +19282,8 @@
         </p:nvSpPr>
         <p:spPr>
           <a:xfrm rot="2744400">
-            <a:off x="-349920" y="4539960"/>
-            <a:ext cx="704160" cy="703800"/>
+            <a:off x="-349200" y="4539600"/>
+            <a:ext cx="703800" cy="703440"/>
           </a:xfrm>
           <a:prstGeom prst="roundRect">
             <a:avLst>
@@ -19320,8 +19320,8 @@
         </p:nvSpPr>
         <p:spPr>
           <a:xfrm rot="19228200">
-            <a:off x="5846040" y="-2266200"/>
-            <a:ext cx="4854960" cy="7725960"/>
+            <a:off x="5845680" y="-2265840"/>
+            <a:ext cx="4854600" cy="7725600"/>
           </a:xfrm>
           <a:prstGeom prst="roundRect">
             <a:avLst>
@@ -19359,9 +19359,9 @@
         <p:grpSpPr>
           <a:xfrm>
             <a:off x="4571640" y="828000"/>
-            <a:ext cx="4467960" cy="3564000"/>
+            <a:ext cx="4467600" cy="3563640"/>
             <a:chOff x="4571640" y="828000"/>
-            <a:chExt cx="4467960" cy="3564000"/>
+            <a:chExt cx="4467600" cy="3563640"/>
           </a:xfrm>
         </p:grpSpPr>
         <p:pic>
@@ -19377,7 +19377,7 @@
           <p:spPr>
             <a:xfrm>
               <a:off x="4571640" y="828000"/>
-              <a:ext cx="4467960" cy="3564000"/>
+              <a:ext cx="4467600" cy="3563640"/>
             </a:xfrm>
             <a:prstGeom prst="rect">
               <a:avLst/>
@@ -19395,8 +19395,8 @@
           </p:nvSpPr>
           <p:spPr>
             <a:xfrm rot="16200000">
-              <a:off x="5962680" y="1159200"/>
-              <a:ext cx="1737000" cy="2770920"/>
+              <a:off x="5962680" y="1159560"/>
+              <a:ext cx="1736640" cy="2770560"/>
             </a:xfrm>
             <a:prstGeom prst="roundRect">
               <a:avLst>
@@ -19463,7 +19463,7 @@
         <p:spPr>
           <a:xfrm>
             <a:off x="586440" y="1246680"/>
-            <a:ext cx="4003920" cy="3599640"/>
+            <a:ext cx="4003560" cy="3599280"/>
           </a:xfrm>
           <a:prstGeom prst="rect">
             <a:avLst/>
@@ -19515,7 +19515,7 @@
         <p:spPr>
           <a:xfrm>
             <a:off x="5446080" y="1672200"/>
-            <a:ext cx="2779920" cy="1737000"/>
+            <a:ext cx="2779560" cy="1736640"/>
           </a:xfrm>
           <a:prstGeom prst="rect">
             <a:avLst/>
@@ -19567,7 +19567,7 @@
         <p:spPr>
           <a:xfrm>
             <a:off x="586440" y="453960"/>
-            <a:ext cx="3696480" cy="855000"/>
+            <a:ext cx="3696120" cy="854640"/>
           </a:xfrm>
           <a:prstGeom prst="rect">
             <a:avLst/>
@@ -19656,7 +19656,7 @@
         <p:spPr>
           <a:xfrm>
             <a:off x="4222080" y="1246680"/>
-            <a:ext cx="4114800" cy="3599640"/>
+            <a:ext cx="4114440" cy="3599280"/>
           </a:xfrm>
           <a:prstGeom prst="rect">
             <a:avLst/>
@@ -19707,8 +19707,8 @@
         </p:nvSpPr>
         <p:spPr>
           <a:xfrm rot="16200000">
-            <a:off x="-2181600" y="1733760"/>
-            <a:ext cx="5143680" cy="1683720"/>
+            <a:off x="-2181600" y="1734120"/>
+            <a:ext cx="5143320" cy="1683360"/>
           </a:xfrm>
           <a:prstGeom prst="roundRect">
             <a:avLst>
@@ -19746,7 +19746,7 @@
         <p:spPr>
           <a:xfrm rot="2745000">
             <a:off x="8575200" y="103320"/>
-            <a:ext cx="1132200" cy="1131840"/>
+            <a:ext cx="1131840" cy="1131480"/>
           </a:xfrm>
           <a:prstGeom prst="roundRect">
             <a:avLst>
@@ -19783,8 +19783,8 @@
         </p:nvSpPr>
         <p:spPr>
           <a:xfrm rot="16200000">
-            <a:off x="614880" y="919080"/>
-            <a:ext cx="3231720" cy="3313440"/>
+            <a:off x="614880" y="919440"/>
+            <a:ext cx="3231360" cy="3313080"/>
           </a:xfrm>
           <a:prstGeom prst="roundRect">
             <a:avLst>
@@ -19850,7 +19850,7 @@
         <p:spPr>
           <a:xfrm>
             <a:off x="4214160" y="456120"/>
-            <a:ext cx="4111560" cy="855000"/>
+            <a:ext cx="4111200" cy="854640"/>
           </a:xfrm>
           <a:prstGeom prst="rect">
             <a:avLst/>
